--- a/Vendor_Boards/Microchip_PICDEM 2 plus_board_2010/tutorials/GCBASIC_Part14_PWM.pptx
+++ b/Vendor_Boards/Microchip_PICDEM 2 plus_board_2010/tutorials/GCBASIC_Part14_PWM.pptx
@@ -11,15 +11,15 @@
     <p:handoutMasterId r:id="rId21"/>
   </p:handoutMasterIdLst>
   <p:sldIdLst>
-    <p:sldId id="294" r:id="rId2"/>
-    <p:sldId id="256" r:id="rId3"/>
-    <p:sldId id="295" r:id="rId4"/>
-    <p:sldId id="283" r:id="rId5"/>
-    <p:sldId id="296" r:id="rId6"/>
-    <p:sldId id="282" r:id="rId7"/>
-    <p:sldId id="291" r:id="rId8"/>
-    <p:sldId id="350" r:id="rId9"/>
-    <p:sldId id="348" r:id="rId10"/>
+    <p:sldId id="366" r:id="rId2"/>
+    <p:sldId id="368" r:id="rId3"/>
+    <p:sldId id="369" r:id="rId4"/>
+    <p:sldId id="370" r:id="rId5"/>
+    <p:sldId id="371" r:id="rId6"/>
+    <p:sldId id="372" r:id="rId7"/>
+    <p:sldId id="373" r:id="rId8"/>
+    <p:sldId id="374" r:id="rId9"/>
+    <p:sldId id="375" r:id="rId10"/>
     <p:sldId id="361" r:id="rId11"/>
     <p:sldId id="362" r:id="rId12"/>
     <p:sldId id="363" r:id="rId13"/>
@@ -27,8 +27,8 @@
     <p:sldId id="365" r:id="rId15"/>
     <p:sldId id="358" r:id="rId16"/>
     <p:sldId id="288" r:id="rId17"/>
-    <p:sldId id="353" r:id="rId18"/>
-    <p:sldId id="352" r:id="rId19"/>
+    <p:sldId id="377" r:id="rId18"/>
+    <p:sldId id="376" r:id="rId19"/>
   </p:sldIdLst>
   <p:sldSz cx="9144000" cy="5143500" type="screen16x9"/>
   <p:notesSz cx="6858000" cy="9144000"/>
@@ -213,7 +213,7 @@
             <a:fld id="{742E545A-AB39-44F0-B5A6-04A90C6C9399}" type="datetimeFigureOut">
               <a:rPr lang="en-GB" smtClean="0"/>
               <a:pPr/>
-              <a:t>12/12/2024</a:t>
+              <a:t>28/01/2025</a:t>
             </a:fld>
             <a:endParaRPr lang="en-GB" dirty="0"/>
           </a:p>
@@ -380,7 +380,7 @@
             <a:fld id="{FF100B3C-2E11-428B-8555-A77018253716}" type="datetimeFigureOut">
               <a:rPr lang="en-GB" smtClean="0"/>
               <a:pPr/>
-              <a:t>12/12/2024</a:t>
+              <a:t>28/01/2025</a:t>
             </a:fld>
             <a:endParaRPr lang="en-GB" dirty="0"/>
           </a:p>
@@ -651,91 +651,6 @@
 </p:notesMaster>
 </file>
 
-<file path=ppt/notesSlides/notesSlide1.xml><?xml version="1.0" encoding="utf-8"?>
-<p:notes xmlns:a="http://schemas.openxmlformats.org/drawingml/2006/main" xmlns:r="http://schemas.openxmlformats.org/officeDocument/2006/relationships" xmlns:p="http://schemas.openxmlformats.org/presentationml/2006/main">
-  <p:cSld>
-    <p:spTree>
-      <p:nvGrpSpPr>
-        <p:cNvPr id="1" name=""/>
-        <p:cNvGrpSpPr/>
-        <p:nvPr/>
-      </p:nvGrpSpPr>
-      <p:grpSpPr>
-        <a:xfrm>
-          <a:off x="0" y="0"/>
-          <a:ext cx="0" cy="0"/>
-          <a:chOff x="0" y="0"/>
-          <a:chExt cx="0" cy="0"/>
-        </a:xfrm>
-      </p:grpSpPr>
-      <p:sp>
-        <p:nvSpPr>
-          <p:cNvPr id="2" name="Slide Image Placeholder 1"/>
-          <p:cNvSpPr>
-            <a:spLocks noGrp="1" noRot="1" noChangeAspect="1"/>
-          </p:cNvSpPr>
-          <p:nvPr>
-            <p:ph type="sldImg"/>
-          </p:nvPr>
-        </p:nvSpPr>
-        <p:spPr/>
-      </p:sp>
-      <p:sp>
-        <p:nvSpPr>
-          <p:cNvPr id="3" name="Notes Placeholder 2"/>
-          <p:cNvSpPr>
-            <a:spLocks noGrp="1"/>
-          </p:cNvSpPr>
-          <p:nvPr>
-            <p:ph type="body" idx="1"/>
-          </p:nvPr>
-        </p:nvSpPr>
-        <p:spPr/>
-        <p:txBody>
-          <a:bodyPr/>
-          <a:lstStyle/>
-          <a:p>
-            <a:endParaRPr lang="en-GB" dirty="0"/>
-          </a:p>
-        </p:txBody>
-      </p:sp>
-      <p:sp>
-        <p:nvSpPr>
-          <p:cNvPr id="4" name="Slide Number Placeholder 3"/>
-          <p:cNvSpPr>
-            <a:spLocks noGrp="1"/>
-          </p:cNvSpPr>
-          <p:nvPr>
-            <p:ph type="sldNum" sz="quarter" idx="10"/>
-          </p:nvPr>
-        </p:nvSpPr>
-        <p:spPr/>
-        <p:txBody>
-          <a:bodyPr/>
-          <a:lstStyle/>
-          <a:p>
-            <a:fld id="{8733471A-AA0F-4CD3-BA89-C1C7FB68C6DB}" type="slidenum">
-              <a:rPr lang="en-GB" smtClean="0"/>
-              <a:pPr/>
-              <a:t>1</a:t>
-            </a:fld>
-            <a:endParaRPr lang="en-GB" dirty="0"/>
-          </a:p>
-        </p:txBody>
-      </p:sp>
-    </p:spTree>
-    <p:extLst>
-      <p:ext uri="{BB962C8B-B14F-4D97-AF65-F5344CB8AC3E}">
-        <p14:creationId xmlns:p14="http://schemas.microsoft.com/office/powerpoint/2010/main" val="3016735464"/>
-      </p:ext>
-    </p:extLst>
-  </p:cSld>
-  <p:clrMapOvr>
-    <a:masterClrMapping/>
-  </p:clrMapOvr>
-</p:notes>
-</file>
-
 <file path=ppt/slideLayouts/slideLayout1.xml><?xml version="1.0" encoding="utf-8"?>
 <p:sldLayout xmlns:a="http://schemas.openxmlformats.org/drawingml/2006/main" xmlns:r="http://schemas.openxmlformats.org/officeDocument/2006/relationships" xmlns:p="http://schemas.openxmlformats.org/presentationml/2006/main" preserve="1">
   <p:cSld name="Main Title">
@@ -1380,7 +1295,7 @@
             <a:fld id="{C473AACB-D821-4991-9D88-46EB8D29E619}" type="datetimeFigureOut">
               <a:rPr lang="en-GB" smtClean="0"/>
               <a:pPr/>
-              <a:t>12/12/2024</a:t>
+              <a:t>28/01/2025</a:t>
             </a:fld>
             <a:endParaRPr lang="en-GB" dirty="0"/>
           </a:p>
@@ -1674,7 +1589,7 @@
             <a:fld id="{C473AACB-D821-4991-9D88-46EB8D29E619}" type="datetimeFigureOut">
               <a:rPr lang="en-GB" smtClean="0"/>
               <a:pPr/>
-              <a:t>12/12/2024</a:t>
+              <a:t>28/01/2025</a:t>
             </a:fld>
             <a:endParaRPr lang="en-GB" dirty="0"/>
           </a:p>
@@ -1927,7 +1842,7 @@
             <a:fld id="{C473AACB-D821-4991-9D88-46EB8D29E619}" type="datetimeFigureOut">
               <a:rPr lang="en-GB" smtClean="0"/>
               <a:pPr/>
-              <a:t>12/12/2024</a:t>
+              <a:t>28/01/2025</a:t>
             </a:fld>
             <a:endParaRPr lang="en-GB" dirty="0"/>
           </a:p>
@@ -2272,7 +2187,7 @@
             <a:fld id="{C473AACB-D821-4991-9D88-46EB8D29E619}" type="datetimeFigureOut">
               <a:rPr lang="en-GB" smtClean="0"/>
               <a:pPr/>
-              <a:t>12/12/2024</a:t>
+              <a:t>28/01/2025</a:t>
             </a:fld>
             <a:endParaRPr lang="en-GB" dirty="0"/>
           </a:p>
@@ -2644,7 +2559,7 @@
             <a:fld id="{C473AACB-D821-4991-9D88-46EB8D29E619}" type="datetimeFigureOut">
               <a:rPr lang="en-GB" smtClean="0"/>
               <a:pPr/>
-              <a:t>12/12/2024</a:t>
+              <a:t>28/01/2025</a:t>
             </a:fld>
             <a:endParaRPr lang="en-GB" dirty="0"/>
           </a:p>
@@ -2990,7 +2905,7 @@
             <a:fld id="{C473AACB-D821-4991-9D88-46EB8D29E619}" type="datetimeFigureOut">
               <a:rPr lang="en-GB" smtClean="0"/>
               <a:pPr/>
-              <a:t>12/12/2024</a:t>
+              <a:t>28/01/2025</a:t>
             </a:fld>
             <a:endParaRPr lang="en-GB" dirty="0"/>
           </a:p>
@@ -3414,7 +3329,7 @@
             <a:fld id="{C473AACB-D821-4991-9D88-46EB8D29E619}" type="datetimeFigureOut">
               <a:rPr lang="en-GB" smtClean="0"/>
               <a:pPr/>
-              <a:t>12/12/2024</a:t>
+              <a:t>28/01/2025</a:t>
             </a:fld>
             <a:endParaRPr lang="en-GB" dirty="0"/>
           </a:p>
@@ -3649,7 +3564,7 @@
             <a:fld id="{C473AACB-D821-4991-9D88-46EB8D29E619}" type="datetimeFigureOut">
               <a:rPr lang="en-GB" smtClean="0"/>
               <a:pPr/>
-              <a:t>12/12/2024</a:t>
+              <a:t>28/01/2025</a:t>
             </a:fld>
             <a:endParaRPr lang="en-GB" dirty="0"/>
           </a:p>
@@ -3860,7 +3775,7 @@
             <a:fld id="{C473AACB-D821-4991-9D88-46EB8D29E619}" type="datetimeFigureOut">
               <a:rPr lang="en-GB" smtClean="0"/>
               <a:pPr/>
-              <a:t>12/12/2024</a:t>
+              <a:t>28/01/2025</a:t>
             </a:fld>
             <a:endParaRPr lang="en-GB" dirty="0"/>
           </a:p>
@@ -4078,7 +3993,7 @@
             <a:fld id="{C473AACB-D821-4991-9D88-46EB8D29E619}" type="datetimeFigureOut">
               <a:rPr lang="en-GB" smtClean="0"/>
               <a:pPr/>
-              <a:t>12/12/2024</a:t>
+              <a:t>28/01/2025</a:t>
             </a:fld>
             <a:endParaRPr lang="en-GB" dirty="0"/>
           </a:p>
@@ -4893,7 +4808,7 @@
             <a:fld id="{C473AACB-D821-4991-9D88-46EB8D29E619}" type="datetimeFigureOut">
               <a:rPr lang="en-GB" smtClean="0"/>
               <a:pPr/>
-              <a:t>12/12/2024</a:t>
+              <a:t>28/01/2025</a:t>
             </a:fld>
             <a:endParaRPr lang="en-GB" dirty="0"/>
           </a:p>
@@ -5707,7 +5622,7 @@
             <a:fld id="{C473AACB-D821-4991-9D88-46EB8D29E619}" type="datetimeFigureOut">
               <a:rPr lang="en-GB" smtClean="0"/>
               <a:pPr/>
-              <a:t>12/12/2024</a:t>
+              <a:t>28/01/2025</a:t>
             </a:fld>
             <a:endParaRPr lang="en-GB" dirty="0"/>
           </a:p>
@@ -5956,7 +5871,7 @@
             <a:fld id="{C473AACB-D821-4991-9D88-46EB8D29E619}" type="datetimeFigureOut">
               <a:rPr lang="en-GB" smtClean="0"/>
               <a:pPr/>
-              <a:t>12/12/2024</a:t>
+              <a:t>28/01/2025</a:t>
             </a:fld>
             <a:endParaRPr lang="en-GB" dirty="0"/>
           </a:p>
@@ -6220,7 +6135,7 @@
             <a:fld id="{C473AACB-D821-4991-9D88-46EB8D29E619}" type="datetimeFigureOut">
               <a:rPr lang="en-GB" smtClean="0"/>
               <a:pPr/>
-              <a:t>12/12/2024</a:t>
+              <a:t>28/01/2025</a:t>
             </a:fld>
             <a:endParaRPr lang="en-GB" dirty="0"/>
           </a:p>
@@ -6660,7 +6575,7 @@
             <a:fld id="{C473AACB-D821-4991-9D88-46EB8D29E619}" type="datetimeFigureOut">
               <a:rPr lang="en-GB" smtClean="0"/>
               <a:pPr/>
-              <a:t>12/12/2024</a:t>
+              <a:t>28/01/2025</a:t>
             </a:fld>
             <a:endParaRPr lang="en-GB" dirty="0"/>
           </a:p>
@@ -6815,7 +6730,7 @@
             <a:fld id="{C473AACB-D821-4991-9D88-46EB8D29E619}" type="datetimeFigureOut">
               <a:rPr lang="en-GB" smtClean="0"/>
               <a:pPr/>
-              <a:t>12/12/2024</a:t>
+              <a:t>28/01/2025</a:t>
             </a:fld>
             <a:endParaRPr lang="en-GB" dirty="0"/>
           </a:p>
@@ -6912,7 +6827,7 @@
             <a:fld id="{C473AACB-D821-4991-9D88-46EB8D29E619}" type="datetimeFigureOut">
               <a:rPr lang="en-GB" smtClean="0"/>
               <a:pPr/>
-              <a:t>12/12/2024</a:t>
+              <a:t>28/01/2025</a:t>
             </a:fld>
             <a:endParaRPr lang="en-GB" dirty="0"/>
           </a:p>
@@ -7689,7 +7604,7 @@
             <a:fld id="{C473AACB-D821-4991-9D88-46EB8D29E619}" type="datetimeFigureOut">
               <a:rPr lang="en-GB" smtClean="0"/>
               <a:pPr/>
-              <a:t>12/12/2024</a:t>
+              <a:t>28/01/2025</a:t>
             </a:fld>
             <a:endParaRPr lang="en-GB" dirty="0"/>
           </a:p>
@@ -8249,12 +8164,7 @@
             <p:ph type="body" idx="1"/>
           </p:nvPr>
         </p:nvSpPr>
-        <p:spPr>
-          <a:xfrm>
-            <a:off x="4144617" y="2776047"/>
-            <a:ext cx="3523727" cy="645300"/>
-          </a:xfrm>
-        </p:spPr>
+        <p:spPr/>
         <p:txBody>
           <a:bodyPr>
             <a:normAutofit/>
@@ -8263,25 +8173,22 @@
           <a:p>
             <a:r>
               <a:rPr lang="en-GB" dirty="0" smtClean="0"/>
-              <a:t>PIC18FxxQ24</a:t>
-            </a:r>
-          </a:p>
-          <a:p>
-            <a:r>
-              <a:rPr lang="en-GB" dirty="0" smtClean="0"/>
+              <a:t>PIC16Fxxxx chip Family ( Legacy )</a:t>
+            </a:r>
+          </a:p>
+          <a:p>
+            <a:r>
+              <a:rPr lang="en-GB" dirty="0"/>
               <a:t>Part 14 - PMW many ways</a:t>
             </a:r>
             <a:endParaRPr lang="en-GB" sz="1600" dirty="0"/>
-          </a:p>
-          <a:p>
-            <a:endParaRPr lang="en-GB" dirty="0"/>
           </a:p>
         </p:txBody>
       </p:sp>
     </p:spTree>
     <p:extLst>
       <p:ext uri="{BB962C8B-B14F-4D97-AF65-F5344CB8AC3E}">
-        <p14:creationId xmlns:p14="http://schemas.microsoft.com/office/powerpoint/2010/main" val="1934043723"/>
+        <p14:creationId xmlns:p14="http://schemas.microsoft.com/office/powerpoint/2010/main" val="386030938"/>
       </p:ext>
     </p:extLst>
   </p:cSld>
@@ -9336,14 +9243,14 @@
           <p:nvPr>
             <p:extLst>
               <p:ext uri="{D42A27DB-BD31-4B8C-83A1-F6EECF244321}">
-                <p14:modId xmlns:p14="http://schemas.microsoft.com/office/powerpoint/2010/main" val="2362396064"/>
+                <p14:modId xmlns:p14="http://schemas.microsoft.com/office/powerpoint/2010/main" val="3659487782"/>
               </p:ext>
             </p:extLst>
           </p:nvPr>
         </p:nvGraphicFramePr>
         <p:xfrm>
           <a:off x="179512" y="1434336"/>
-          <a:ext cx="8820470" cy="3211448"/>
+          <a:ext cx="6876660" cy="2840608"/>
         </p:xfrm>
         <a:graphic>
           <a:graphicData uri="http://schemas.openxmlformats.org/drawingml/2006/table">
@@ -9355,7 +9262,6 @@
                 <a:gridCol w="380191"/>
                 <a:gridCol w="2053041"/>
                 <a:gridCol w="2679334"/>
-                <a:gridCol w="1943810"/>
                 <a:gridCol w="1764094"/>
               </a:tblGrid>
               <a:tr h="442848">
@@ -9395,20 +9301,6 @@
                       <a:r>
                         <a:rPr lang="en-GB" sz="1200" dirty="0" smtClean="0"/>
                         <a:t>Characteristics</a:t>
-                      </a:r>
-                      <a:endParaRPr lang="en-GB" sz="1200" dirty="0"/>
-                    </a:p>
-                  </a:txBody>
-                  <a:tcPr/>
-                </a:tc>
-                <a:tc>
-                  <a:txBody>
-                    <a:bodyPr/>
-                    <a:lstStyle/>
-                    <a:p>
-                      <a:r>
-                        <a:rPr lang="en-GB" sz="1200" dirty="0" smtClean="0"/>
-                        <a:t>PPS required</a:t>
                       </a:r>
                       <a:endParaRPr lang="en-GB" sz="1200" dirty="0"/>
                     </a:p>
@@ -9506,20 +9398,6 @@
                     <a:p>
                       <a:r>
                         <a:rPr lang="en-GB" sz="1200" dirty="0" smtClean="0"/>
-                        <a:t>No</a:t>
-                      </a:r>
-                      <a:endParaRPr lang="en-GB" sz="1200" dirty="0"/>
-                    </a:p>
-                  </a:txBody>
-                  <a:tcPr/>
-                </a:tc>
-                <a:tc>
-                  <a:txBody>
-                    <a:bodyPr/>
-                    <a:lstStyle/>
-                    <a:p>
-                      <a:r>
-                        <a:rPr lang="en-GB" sz="1200" dirty="0" smtClean="0"/>
                         <a:t>Any</a:t>
                       </a:r>
                       <a:r>
@@ -9604,20 +9482,6 @@
                         <a:t> a port for a period</a:t>
                       </a:r>
                       <a:endParaRPr lang="en-GB" sz="1200" dirty="0" smtClean="0"/>
-                    </a:p>
-                  </a:txBody>
-                  <a:tcPr/>
-                </a:tc>
-                <a:tc>
-                  <a:txBody>
-                    <a:bodyPr/>
-                    <a:lstStyle/>
-                    <a:p>
-                      <a:r>
-                        <a:rPr lang="en-GB" sz="1200" dirty="0" smtClean="0"/>
-                        <a:t>No</a:t>
-                      </a:r>
-                      <a:endParaRPr lang="en-GB" sz="1200" dirty="0"/>
                     </a:p>
                   </a:txBody>
                   <a:tcPr/>
@@ -9728,20 +9592,6 @@
                     <a:p>
                       <a:r>
                         <a:rPr lang="en-GB" sz="1200" dirty="0" smtClean="0"/>
-                        <a:t>No</a:t>
-                      </a:r>
-                      <a:endParaRPr lang="en-GB" sz="1200" dirty="0"/>
-                    </a:p>
-                  </a:txBody>
-                  <a:tcPr/>
-                </a:tc>
-                <a:tc>
-                  <a:txBody>
-                    <a:bodyPr/>
-                    <a:lstStyle/>
-                    <a:p>
-                      <a:r>
-                        <a:rPr lang="en-GB" sz="1200" dirty="0" smtClean="0"/>
                         <a:t>Any</a:t>
                       </a:r>
                       <a:r>
@@ -9791,32 +9641,6 @@
                       <a:r>
                         <a:rPr lang="en-GB" sz="1200" dirty="0" smtClean="0"/>
                         <a:t>Fixed frequency, fixed duty using timer2*</a:t>
-                      </a:r>
-                      <a:endParaRPr lang="en-GB" sz="1200" dirty="0"/>
-                    </a:p>
-                  </a:txBody>
-                  <a:tcPr/>
-                </a:tc>
-                <a:tc>
-                  <a:txBody>
-                    <a:bodyPr/>
-                    <a:lstStyle/>
-                    <a:p>
-                      <a:r>
-                        <a:rPr lang="en-GB" sz="1200" dirty="0" smtClean="0"/>
-                        <a:t>Yes</a:t>
-                      </a:r>
-                      <a:r>
-                        <a:rPr lang="en-GB" sz="1200" baseline="0" dirty="0" smtClean="0"/>
-                        <a:t> – CCP/</a:t>
-                      </a:r>
-                      <a:r>
-                        <a:rPr lang="en-GB" sz="1200" baseline="0" dirty="0" err="1" smtClean="0"/>
-                        <a:t>PWMx</a:t>
-                      </a:r>
-                      <a:r>
-                        <a:rPr lang="en-GB" sz="1200" baseline="0" dirty="0" smtClean="0"/>
-                        <a:t> module</a:t>
                       </a:r>
                       <a:endParaRPr lang="en-GB" sz="1200" dirty="0"/>
                     </a:p>
@@ -9891,32 +9715,6 @@
                     <a:lstStyle/>
                     <a:p>
                       <a:r>
-                        <a:rPr lang="en-GB" sz="1200" dirty="0" smtClean="0"/>
-                        <a:t>Yes</a:t>
-                      </a:r>
-                      <a:r>
-                        <a:rPr lang="en-GB" sz="1200" baseline="0" dirty="0" smtClean="0"/>
-                        <a:t> – CCP/</a:t>
-                      </a:r>
-                      <a:r>
-                        <a:rPr lang="en-GB" sz="1200" baseline="0" dirty="0" err="1" smtClean="0"/>
-                        <a:t>PWMx</a:t>
-                      </a:r>
-                      <a:r>
-                        <a:rPr lang="en-GB" sz="1200" baseline="0" dirty="0" smtClean="0"/>
-                        <a:t> module</a:t>
-                      </a:r>
-                      <a:endParaRPr lang="en-GB" sz="1200" dirty="0"/>
-                    </a:p>
-                  </a:txBody>
-                  <a:tcPr/>
-                </a:tc>
-                <a:tc>
-                  <a:txBody>
-                    <a:bodyPr/>
-                    <a:lstStyle/>
-                    <a:p>
-                      <a:r>
                         <a:rPr lang="en-GB" sz="1200" b="0" dirty="0" smtClean="0"/>
                         <a:t>ASM</a:t>
                       </a:r>
@@ -9939,98 +9737,6 @@
                       <a:r>
                         <a:rPr lang="en-GB" sz="1200" dirty="0" smtClean="0"/>
                         <a:t>6</a:t>
-                      </a:r>
-                      <a:endParaRPr lang="en-GB" sz="1200" dirty="0"/>
-                    </a:p>
-                  </a:txBody>
-                  <a:tcPr/>
-                </a:tc>
-                <a:tc>
-                  <a:txBody>
-                    <a:bodyPr/>
-                    <a:lstStyle/>
-                    <a:p>
-                      <a:r>
-                        <a:rPr lang="en-GB" sz="1200" dirty="0" smtClean="0"/>
-                        <a:t>PWM</a:t>
-                      </a:r>
-                      <a:r>
-                        <a:rPr lang="en-GB" sz="1200" baseline="0" dirty="0" smtClean="0"/>
-                        <a:t> 16 bit way</a:t>
-                      </a:r>
-                      <a:endParaRPr lang="en-GB" sz="1200" dirty="0"/>
-                    </a:p>
-                  </a:txBody>
-                  <a:tcPr/>
-                </a:tc>
-                <a:tc>
-                  <a:txBody>
-                    <a:bodyPr/>
-                    <a:lstStyle/>
-                    <a:p>
-                      <a:r>
-                        <a:rPr lang="en-GB" sz="1200" dirty="0" smtClean="0"/>
-                        <a:t>Wide</a:t>
-                      </a:r>
-                      <a:r>
-                        <a:rPr lang="en-GB" sz="1200" baseline="0" dirty="0" smtClean="0"/>
-                        <a:t> range of capabilities</a:t>
-                      </a:r>
-                      <a:endParaRPr lang="en-GB" sz="1200" dirty="0"/>
-                    </a:p>
-                  </a:txBody>
-                  <a:tcPr/>
-                </a:tc>
-                <a:tc>
-                  <a:txBody>
-                    <a:bodyPr/>
-                    <a:lstStyle/>
-                    <a:p>
-                      <a:r>
-                        <a:rPr lang="en-GB" sz="1200" dirty="0" smtClean="0"/>
-                        <a:t>Yes</a:t>
-                      </a:r>
-                      <a:r>
-                        <a:rPr lang="en-GB" sz="1200" baseline="0" dirty="0" smtClean="0"/>
-                        <a:t> - </a:t>
-                      </a:r>
-                      <a:r>
-                        <a:rPr lang="en-GB" sz="1200" baseline="0" dirty="0" err="1" smtClean="0"/>
-                        <a:t>PWMxx</a:t>
-                      </a:r>
-                      <a:endParaRPr lang="en-GB" sz="1200" dirty="0"/>
-                    </a:p>
-                  </a:txBody>
-                  <a:tcPr/>
-                </a:tc>
-                <a:tc>
-                  <a:txBody>
-                    <a:bodyPr/>
-                    <a:lstStyle/>
-                    <a:p>
-                      <a:r>
-                        <a:rPr lang="en-GB" sz="1200" dirty="0" smtClean="0"/>
-                        <a:t>Lots of</a:t>
-                      </a:r>
-                      <a:r>
-                        <a:rPr lang="en-GB" sz="1200" baseline="0" dirty="0" smtClean="0"/>
-                        <a:t> parameters</a:t>
-                      </a:r>
-                      <a:endParaRPr lang="en-GB" sz="1200" dirty="0"/>
-                    </a:p>
-                  </a:txBody>
-                  <a:tcPr/>
-                </a:tc>
-              </a:tr>
-              <a:tr h="370840">
-                <a:tc>
-                  <a:txBody>
-                    <a:bodyPr/>
-                    <a:lstStyle/>
-                    <a:p>
-                      <a:r>
-                        <a:rPr lang="en-GB" sz="1200" dirty="0" smtClean="0"/>
-                        <a:t>7</a:t>
                       </a:r>
                       <a:endParaRPr lang="en-GB" sz="1200" dirty="0"/>
                     </a:p>
@@ -10076,20 +9782,6 @@
                     <a:p>
                       <a:r>
                         <a:rPr lang="en-GB" sz="1200" dirty="0" smtClean="0"/>
-                        <a:t>No</a:t>
-                      </a:r>
-                      <a:endParaRPr lang="en-GB" sz="1200" dirty="0"/>
-                    </a:p>
-                  </a:txBody>
-                  <a:tcPr/>
-                </a:tc>
-                <a:tc>
-                  <a:txBody>
-                    <a:bodyPr/>
-                    <a:lstStyle/>
-                    <a:p>
-                      <a:r>
-                        <a:rPr lang="en-GB" sz="1200" dirty="0" smtClean="0"/>
                         <a:t>Any</a:t>
                       </a:r>
                       <a:r>
@@ -10434,8 +10126,13 @@
             </a:pPr>
             <a:r>
               <a:rPr lang="en-GB" sz="1100" dirty="0"/>
-              <a:t>Install the hardware and make the board work – three LED programs</a:t>
-            </a:r>
+              <a:t>Install the hardware and make the board work </a:t>
+            </a:r>
+            <a:r>
+              <a:rPr lang="en-GB" sz="1100" dirty="0" smtClean="0"/>
+              <a:t>– make LEDs work</a:t>
+            </a:r>
+            <a:endParaRPr lang="en-GB" sz="1100" b="1" dirty="0"/>
           </a:p>
           <a:p>
             <a:pPr marL="180000" indent="-478483">
@@ -10538,15 +10235,7 @@
             </a:pPr>
             <a:r>
               <a:rPr lang="en-GB" sz="1100" dirty="0"/>
-              <a:t>Using the </a:t>
-            </a:r>
-            <a:r>
-              <a:rPr lang="en-GB" sz="1100" dirty="0" smtClean="0"/>
-              <a:t>timer0 </a:t>
-            </a:r>
-            <a:r>
-              <a:rPr lang="en-GB" sz="1100" dirty="0"/>
-              <a:t>overflow, 8bit timer, 16bit timer to flash the LEDs</a:t>
+              <a:t>Using the timer0 overflow, 8bit timer, 16bit timer to flash the LEDs</a:t>
             </a:r>
           </a:p>
           <a:p>
@@ -10559,7 +10248,15 @@
             </a:pPr>
             <a:r>
               <a:rPr lang="en-GB" sz="1100" dirty="0"/>
-              <a:t>Using EEProm – showing values on the serial terminal, and more constants insights</a:t>
+              <a:t>Using </a:t>
+            </a:r>
+            <a:r>
+              <a:rPr lang="en-GB" sz="1100" dirty="0" err="1"/>
+              <a:t>EEProm</a:t>
+            </a:r>
+            <a:r>
+              <a:rPr lang="en-GB" sz="1100" dirty="0"/>
+              <a:t> – showing values on the serial terminal, and more constants insights</a:t>
             </a:r>
           </a:p>
           <a:p>
@@ -10585,21 +10282,8 @@
             </a:pPr>
             <a:r>
               <a:rPr lang="en-GB" sz="1100" dirty="0"/>
-              <a:t>Using </a:t>
-            </a:r>
-            <a:r>
-              <a:rPr lang="en-GB" sz="1100" dirty="0" smtClean="0"/>
-              <a:t>I2C </a:t>
-            </a:r>
-            <a:r>
-              <a:rPr lang="en-GB" sz="1100" dirty="0"/>
-              <a:t>GCLD </a:t>
-            </a:r>
-            <a:r>
-              <a:rPr lang="en-GB" sz="1100" dirty="0" smtClean="0"/>
-              <a:t>display solutions</a:t>
-            </a:r>
-            <a:endParaRPr lang="en-GB" sz="1100" dirty="0"/>
+              <a:t>Using an I2C GCLD display</a:t>
+            </a:r>
           </a:p>
           <a:p>
             <a:pPr marL="180000" indent="-478483">
@@ -10611,13 +10295,8 @@
             </a:pPr>
             <a:r>
               <a:rPr lang="en-GB" sz="1100" dirty="0"/>
-              <a:t>Using a </a:t>
-            </a:r>
-            <a:r>
-              <a:rPr lang="en-GB" sz="1100" dirty="0" smtClean="0"/>
-              <a:t>SPI GLCD  display solutions</a:t>
-            </a:r>
-            <a:endParaRPr lang="en-GB" sz="1100" dirty="0"/>
+              <a:t>Using a SPI GCLD display</a:t>
+            </a:r>
           </a:p>
           <a:p>
             <a:pPr marL="180000" indent="-478483">
@@ -10633,11 +10312,11 @@
             </a:r>
             <a:r>
               <a:rPr lang="en-GB" sz="1100" dirty="0" smtClean="0"/>
-              <a:t>6  </a:t>
+              <a:t>many ways</a:t>
             </a:r>
             <a:r>
               <a:rPr lang="en-GB" sz="1100" dirty="0"/>
-              <a:t>ways,  to dim the LEDS</a:t>
+              <a:t>,  to dim the LEDS</a:t>
             </a:r>
           </a:p>
           <a:p>
@@ -10663,7 +10342,15 @@
             </a:pPr>
             <a:r>
               <a:rPr lang="en-GB" sz="1100" dirty="0"/>
-              <a:t>Using storage within the chip – Progmem, SAF memory, EEPROM and DATA blocks</a:t>
+              <a:t>Using storage within the chip – Progmem, </a:t>
+            </a:r>
+            <a:r>
+              <a:rPr lang="en-GB" sz="1100" dirty="0" smtClean="0"/>
+              <a:t>EEPROM </a:t>
+            </a:r>
+            <a:r>
+              <a:rPr lang="en-GB" sz="1100" dirty="0"/>
+              <a:t>and DATA blocks</a:t>
             </a:r>
           </a:p>
           <a:p>
@@ -10675,21 +10362,12 @@
               <a:buAutoNum type="arabicPeriod"/>
             </a:pPr>
             <a:r>
+              <a:rPr lang="en-GB" sz="1100" dirty="0" smtClean="0"/>
+              <a:t>The </a:t>
+            </a:r>
+            <a:r>
               <a:rPr lang="en-GB" sz="1100" dirty="0"/>
-              <a:t>Using CLC</a:t>
-            </a:r>
-          </a:p>
-          <a:p>
-            <a:pPr marL="180000" indent="-478483">
-              <a:spcBef>
-                <a:spcPts val="300"/>
-              </a:spcBef>
-              <a:buFont typeface="+mj-lt"/>
-              <a:buAutoNum type="arabicPeriod"/>
-            </a:pPr>
-            <a:r>
-              <a:rPr lang="en-GB" sz="1100" dirty="0"/>
-              <a:t>The GCBASIC tool chain</a:t>
+              <a:t>GCBASIC tool chain</a:t>
             </a:r>
           </a:p>
           <a:p>
@@ -10798,7 +10476,7 @@
     </p:spTree>
     <p:extLst>
       <p:ext uri="{BB962C8B-B14F-4D97-AF65-F5344CB8AC3E}">
-        <p14:creationId xmlns:p14="http://schemas.microsoft.com/office/powerpoint/2010/main" val="21571518"/>
+        <p14:creationId xmlns:p14="http://schemas.microsoft.com/office/powerpoint/2010/main" val="1671721711"/>
       </p:ext>
     </p:extLst>
   </p:cSld>
@@ -10842,12 +10520,12 @@
       </p:grpSpPr>
       <p:sp>
         <p:nvSpPr>
-          <p:cNvPr id="2" name="Title 1"/>
+          <p:cNvPr id="4" name="Title 3"/>
           <p:cNvSpPr>
             <a:spLocks noGrp="1"/>
           </p:cNvSpPr>
           <p:nvPr>
-            <p:ph type="ctrTitle"/>
+            <p:ph type="title"/>
           </p:nvPr>
         </p:nvSpPr>
         <p:spPr/>
@@ -10863,376 +10541,47 @@
           </a:p>
         </p:txBody>
       </p:sp>
-      <p:pic>
-        <p:nvPicPr>
-          <p:cNvPr id="1026" name="Picture 2" descr="D:\Build\AnobiumTransparent.jpg"/>
-          <p:cNvPicPr>
-            <a:picLocks noChangeAspect="1" noChangeArrowheads="1"/>
-          </p:cNvPicPr>
-          <p:nvPr/>
-        </p:nvPicPr>
-        <p:blipFill>
-          <a:blip r:embed="rId2" cstate="print"/>
-          <a:srcRect/>
-          <a:stretch>
-            <a:fillRect/>
-          </a:stretch>
-        </p:blipFill>
-        <p:spPr bwMode="auto">
-          <a:xfrm>
-            <a:off x="5292080" y="911052"/>
-            <a:ext cx="1828859" cy="771550"/>
-          </a:xfrm>
-          <a:prstGeom prst="rect">
-            <a:avLst/>
-          </a:prstGeom>
-          <a:noFill/>
-        </p:spPr>
-      </p:pic>
-      <p:sp>
-        <p:nvSpPr>
-          <p:cNvPr id="4" name="AutoShape 2" descr="ICSP connection"/>
-          <p:cNvSpPr>
-            <a:spLocks noChangeAspect="1" noChangeArrowheads="1"/>
-          </p:cNvSpPr>
-          <p:nvPr/>
-        </p:nvSpPr>
-        <p:spPr bwMode="auto">
-          <a:xfrm>
-            <a:off x="155575" y="-144462"/>
-            <a:ext cx="304800" cy="304801"/>
-          </a:xfrm>
-          <a:prstGeom prst="rect">
-            <a:avLst/>
-          </a:prstGeom>
-          <a:noFill/>
-        </p:spPr>
-        <p:txBody>
-          <a:bodyPr vert="horz" wrap="square" lIns="85064" tIns="42531" rIns="85064" bIns="42531" numCol="1" anchor="t" anchorCtr="0" compatLnSpc="1">
-            <a:prstTxWarp prst="textNoShape">
-              <a:avLst/>
-            </a:prstTxWarp>
+      <p:sp>
+        <p:nvSpPr>
+          <p:cNvPr id="5" name="Text Placeholder 4"/>
+          <p:cNvSpPr>
+            <a:spLocks noGrp="1"/>
+          </p:cNvSpPr>
+          <p:nvPr>
+            <p:ph type="body" idx="1"/>
+          </p:nvPr>
+        </p:nvSpPr>
+        <p:spPr/>
+        <p:txBody>
+          <a:bodyPr>
+            <a:normAutofit/>
           </a:bodyPr>
           <a:lstStyle/>
           <a:p>
-            <a:endParaRPr lang="en-GB" dirty="0"/>
-          </a:p>
-        </p:txBody>
-      </p:sp>
-      <p:sp>
-        <p:nvSpPr>
-          <p:cNvPr id="8" name="Text Placeholder 4"/>
-          <p:cNvSpPr txBox="1">
-            <a:spLocks/>
-          </p:cNvSpPr>
-          <p:nvPr/>
-        </p:nvSpPr>
-        <p:spPr>
-          <a:xfrm>
-            <a:off x="3805512" y="2931790"/>
-            <a:ext cx="3342861" cy="645300"/>
-          </a:xfrm>
-          <a:prstGeom prst="rect">
-            <a:avLst/>
-          </a:prstGeom>
-        </p:spPr>
-        <p:txBody>
-          <a:bodyPr vert="horz" lIns="68580" tIns="34290" rIns="68580" bIns="34290" rtlCol="0" anchor="t">
-            <a:normAutofit/>
-          </a:bodyPr>
-          <a:lstStyle>
-            <a:lvl1pPr marL="0" indent="0" algn="r" defTabSz="342900" rtl="0" eaLnBrk="1" latinLnBrk="0" hangingPunct="1">
-              <a:spcBef>
-                <a:spcPts val="750"/>
-              </a:spcBef>
-              <a:spcAft>
-                <a:spcPts val="0"/>
-              </a:spcAft>
-              <a:buClr>
-                <a:schemeClr val="accent1"/>
-              </a:buClr>
-              <a:buSzPct val="80000"/>
-              <a:buFont typeface="Wingdings 3" charset="2"/>
-              <a:buNone/>
-              <a:defRPr sz="1400" kern="1200">
-                <a:solidFill>
-                  <a:schemeClr val="tx1">
-                    <a:lumMod val="50000"/>
-                    <a:lumOff val="50000"/>
-                  </a:schemeClr>
-                </a:solidFill>
-                <a:latin typeface="+mn-lt"/>
-                <a:ea typeface="+mn-ea"/>
-                <a:cs typeface="+mn-cs"/>
-              </a:defRPr>
-            </a:lvl1pPr>
-            <a:lvl2pPr marL="342900" indent="0" algn="ctr" defTabSz="342900" rtl="0" eaLnBrk="1" latinLnBrk="0" hangingPunct="1">
-              <a:spcBef>
-                <a:spcPts val="750"/>
-              </a:spcBef>
-              <a:spcAft>
-                <a:spcPts val="0"/>
-              </a:spcAft>
-              <a:buClr>
-                <a:schemeClr val="accent1"/>
-              </a:buClr>
-              <a:buSzPct val="80000"/>
-              <a:buFont typeface="Wingdings 3" charset="2"/>
-              <a:buNone/>
-              <a:defRPr sz="1200" kern="1200">
-                <a:solidFill>
-                  <a:schemeClr val="tx1">
-                    <a:tint val="75000"/>
-                  </a:schemeClr>
-                </a:solidFill>
-                <a:latin typeface="+mn-lt"/>
-                <a:ea typeface="+mn-ea"/>
-                <a:cs typeface="+mn-cs"/>
-              </a:defRPr>
-            </a:lvl2pPr>
-            <a:lvl3pPr marL="685800" indent="0" algn="ctr" defTabSz="342900" rtl="0" eaLnBrk="1" latinLnBrk="0" hangingPunct="1">
-              <a:spcBef>
-                <a:spcPts val="750"/>
-              </a:spcBef>
-              <a:spcAft>
-                <a:spcPts val="0"/>
-              </a:spcAft>
-              <a:buClr>
-                <a:schemeClr val="accent1"/>
-              </a:buClr>
-              <a:buSzPct val="80000"/>
-              <a:buFont typeface="Wingdings 3" charset="2"/>
-              <a:buNone/>
-              <a:defRPr sz="1100" kern="1200">
-                <a:solidFill>
-                  <a:schemeClr val="tx1">
-                    <a:tint val="75000"/>
-                  </a:schemeClr>
-                </a:solidFill>
-                <a:latin typeface="+mn-lt"/>
-                <a:ea typeface="+mn-ea"/>
-                <a:cs typeface="+mn-cs"/>
-              </a:defRPr>
-            </a:lvl3pPr>
-            <a:lvl4pPr marL="1028700" indent="0" algn="ctr" defTabSz="342900" rtl="0" eaLnBrk="1" latinLnBrk="0" hangingPunct="1">
-              <a:spcBef>
-                <a:spcPts val="750"/>
-              </a:spcBef>
-              <a:spcAft>
-                <a:spcPts val="0"/>
-              </a:spcAft>
-              <a:buClr>
-                <a:schemeClr val="accent1"/>
-              </a:buClr>
-              <a:buSzPct val="80000"/>
-              <a:buFont typeface="Wingdings 3" charset="2"/>
-              <a:buNone/>
-              <a:defRPr sz="900" kern="1200">
-                <a:solidFill>
-                  <a:schemeClr val="tx1">
-                    <a:tint val="75000"/>
-                  </a:schemeClr>
-                </a:solidFill>
-                <a:latin typeface="+mn-lt"/>
-                <a:ea typeface="+mn-ea"/>
-                <a:cs typeface="+mn-cs"/>
-              </a:defRPr>
-            </a:lvl4pPr>
-            <a:lvl5pPr marL="1371600" indent="0" algn="ctr" defTabSz="342900" rtl="0" eaLnBrk="1" latinLnBrk="0" hangingPunct="1">
-              <a:spcBef>
-                <a:spcPts val="750"/>
-              </a:spcBef>
-              <a:spcAft>
-                <a:spcPts val="0"/>
-              </a:spcAft>
-              <a:buClr>
-                <a:schemeClr val="accent1"/>
-              </a:buClr>
-              <a:buSzPct val="80000"/>
-              <a:buFont typeface="Wingdings 3" charset="2"/>
-              <a:buNone/>
-              <a:defRPr sz="900" kern="1200">
-                <a:solidFill>
-                  <a:schemeClr val="tx1">
-                    <a:tint val="75000"/>
-                  </a:schemeClr>
-                </a:solidFill>
-                <a:latin typeface="+mn-lt"/>
-                <a:ea typeface="+mn-ea"/>
-                <a:cs typeface="+mn-cs"/>
-              </a:defRPr>
-            </a:lvl5pPr>
-            <a:lvl6pPr marL="1714500" indent="0" algn="ctr" defTabSz="342900" rtl="0" eaLnBrk="1" latinLnBrk="0" hangingPunct="1">
-              <a:spcBef>
-                <a:spcPts val="750"/>
-              </a:spcBef>
-              <a:spcAft>
-                <a:spcPts val="0"/>
-              </a:spcAft>
-              <a:buClr>
-                <a:schemeClr val="accent1"/>
-              </a:buClr>
-              <a:buSzPct val="80000"/>
-              <a:buFont typeface="Wingdings 3" charset="2"/>
-              <a:buNone/>
-              <a:defRPr sz="900" kern="1200">
-                <a:solidFill>
-                  <a:schemeClr val="tx1">
-                    <a:tint val="75000"/>
-                  </a:schemeClr>
-                </a:solidFill>
-                <a:latin typeface="+mn-lt"/>
-                <a:ea typeface="+mn-ea"/>
-                <a:cs typeface="+mn-cs"/>
-              </a:defRPr>
-            </a:lvl6pPr>
-            <a:lvl7pPr marL="2057400" indent="0" algn="ctr" defTabSz="342900" rtl="0" eaLnBrk="1" latinLnBrk="0" hangingPunct="1">
-              <a:spcBef>
-                <a:spcPts val="750"/>
-              </a:spcBef>
-              <a:spcAft>
-                <a:spcPts val="0"/>
-              </a:spcAft>
-              <a:buClr>
-                <a:schemeClr val="accent1"/>
-              </a:buClr>
-              <a:buSzPct val="80000"/>
-              <a:buFont typeface="Wingdings 3" charset="2"/>
-              <a:buNone/>
-              <a:defRPr sz="900" kern="1200">
-                <a:solidFill>
-                  <a:schemeClr val="tx1">
-                    <a:tint val="75000"/>
-                  </a:schemeClr>
-                </a:solidFill>
-                <a:latin typeface="+mn-lt"/>
-                <a:ea typeface="+mn-ea"/>
-                <a:cs typeface="+mn-cs"/>
-              </a:defRPr>
-            </a:lvl7pPr>
-            <a:lvl8pPr marL="2400300" indent="0" algn="ctr" defTabSz="342900" rtl="0" eaLnBrk="1" latinLnBrk="0" hangingPunct="1">
-              <a:spcBef>
-                <a:spcPts val="750"/>
-              </a:spcBef>
-              <a:spcAft>
-                <a:spcPts val="0"/>
-              </a:spcAft>
-              <a:buClr>
-                <a:schemeClr val="accent1"/>
-              </a:buClr>
-              <a:buSzPct val="80000"/>
-              <a:buFont typeface="Wingdings 3" charset="2"/>
-              <a:buNone/>
-              <a:defRPr sz="900" kern="1200">
-                <a:solidFill>
-                  <a:schemeClr val="tx1">
-                    <a:tint val="75000"/>
-                  </a:schemeClr>
-                </a:solidFill>
-                <a:latin typeface="+mn-lt"/>
-                <a:ea typeface="+mn-ea"/>
-                <a:cs typeface="+mn-cs"/>
-              </a:defRPr>
-            </a:lvl8pPr>
-            <a:lvl9pPr marL="2743200" indent="0" algn="ctr" defTabSz="342900" rtl="0" eaLnBrk="1" latinLnBrk="0" hangingPunct="1">
-              <a:spcBef>
-                <a:spcPts val="750"/>
-              </a:spcBef>
-              <a:spcAft>
-                <a:spcPts val="0"/>
-              </a:spcAft>
-              <a:buClr>
-                <a:schemeClr val="accent1"/>
-              </a:buClr>
-              <a:buSzPct val="80000"/>
-              <a:buFont typeface="Wingdings 3" charset="2"/>
-              <a:buNone/>
-              <a:defRPr sz="900" kern="1200">
-                <a:solidFill>
-                  <a:schemeClr val="tx1">
-                    <a:tint val="75000"/>
-                  </a:schemeClr>
-                </a:solidFill>
-                <a:latin typeface="+mn-lt"/>
-                <a:ea typeface="+mn-ea"/>
-                <a:cs typeface="+mn-cs"/>
-              </a:defRPr>
-            </a:lvl9pPr>
-          </a:lstStyle>
-          <a:p>
             <a:r>
               <a:rPr lang="en-GB" dirty="0" smtClean="0"/>
-              <a:t>PIC18FxxQ24</a:t>
-            </a:r>
-          </a:p>
-          <a:p>
-            <a:r>
-              <a:rPr lang="en-GB" dirty="0" smtClean="0"/>
+              <a:t>PIC16Fxxxx chip Family ( Legacy )</a:t>
+            </a:r>
+          </a:p>
+          <a:p>
+            <a:r>
+              <a:rPr lang="en-GB" dirty="0"/>
               <a:t>Part 14 - PMW many ways</a:t>
             </a:r>
-            <a:endParaRPr lang="en-GB" dirty="0"/>
-          </a:p>
-        </p:txBody>
-      </p:sp>
-      <p:pic>
-        <p:nvPicPr>
-          <p:cNvPr id="10" name="Picture 2" descr="PIC18F26Q24"/>
-          <p:cNvPicPr>
-            <a:picLocks noChangeAspect="1" noChangeArrowheads="1"/>
-          </p:cNvPicPr>
-          <p:nvPr/>
-        </p:nvPicPr>
-        <p:blipFill>
-          <a:blip r:embed="rId3" cstate="print">
-            <a:extLst>
-              <a:ext uri="{28A0092B-C50C-407E-A947-70E740481C1C}">
-                <a14:useLocalDpi xmlns:a14="http://schemas.microsoft.com/office/drawing/2010/main" val="0"/>
-              </a:ext>
-            </a:extLst>
-          </a:blip>
-          <a:srcRect/>
-          <a:stretch>
-            <a:fillRect/>
-          </a:stretch>
-        </p:blipFill>
-        <p:spPr bwMode="auto">
-          <a:xfrm>
-            <a:off x="1907705" y="4116163"/>
-            <a:ext cx="1280738" cy="922132"/>
-          </a:xfrm>
-          <a:prstGeom prst="rect">
-            <a:avLst/>
-          </a:prstGeom>
-          <a:noFill/>
-          <a:extLst>
-            <a:ext uri="{909E8E84-426E-40DD-AFC4-6F175D3DCCD1}">
-              <a14:hiddenFill xmlns:a14="http://schemas.microsoft.com/office/drawing/2010/main">
-                <a:solidFill>
-                  <a:srgbClr val="FFFFFF"/>
-                </a:solidFill>
-              </a14:hiddenFill>
-            </a:ext>
-          </a:extLst>
-        </p:spPr>
-      </p:pic>
+            <a:endParaRPr lang="en-GB" sz="1600" dirty="0"/>
+          </a:p>
+        </p:txBody>
+      </p:sp>
     </p:spTree>
     <p:extLst>
       <p:ext uri="{BB962C8B-B14F-4D97-AF65-F5344CB8AC3E}">
-        <p14:creationId xmlns:p14="http://schemas.microsoft.com/office/powerpoint/2010/main" val="1215653422"/>
+        <p14:creationId xmlns:p14="http://schemas.microsoft.com/office/powerpoint/2010/main" val="1753179942"/>
       </p:ext>
     </p:extLst>
   </p:cSld>
   <p:clrMapOvr>
     <a:masterClrMapping/>
   </p:clrMapOvr>
-  <mc:AlternateContent xmlns:mc="http://schemas.openxmlformats.org/markup-compatibility/2006" xmlns:p14="http://schemas.microsoft.com/office/powerpoint/2010/main">
-    <mc:Choice Requires="p14">
-      <p:transition spd="slow" p14:dur="2000"/>
-    </mc:Choice>
-    <mc:Fallback xmlns="">
-      <p:transition spd="slow"/>
-    </mc:Fallback>
-  </mc:AlternateContent>
   <p:timing>
     <p:tnLst>
       <p:par>
@@ -11283,6 +10632,49 @@
           </a:p>
         </p:txBody>
       </p:sp>
+      <p:sp>
+        <p:nvSpPr>
+          <p:cNvPr id="3" name="Subtitle 2"/>
+          <p:cNvSpPr>
+            <a:spLocks noGrp="1"/>
+          </p:cNvSpPr>
+          <p:nvPr>
+            <p:ph type="subTitle" idx="1"/>
+          </p:nvPr>
+        </p:nvSpPr>
+        <p:spPr>
+          <a:xfrm>
+            <a:off x="179513" y="2914650"/>
+            <a:ext cx="6840759" cy="1925352"/>
+          </a:xfrm>
+        </p:spPr>
+        <p:txBody>
+          <a:bodyPr>
+            <a:normAutofit/>
+          </a:bodyPr>
+          <a:lstStyle/>
+          <a:p>
+            <a:r>
+              <a:rPr lang="en-GB" dirty="0" smtClean="0"/>
+              <a:t>PIC16Fxxxx chip Family ( Legacy )</a:t>
+            </a:r>
+            <a:endParaRPr lang="en-GB" dirty="0"/>
+          </a:p>
+          <a:p>
+            <a:r>
+              <a:rPr lang="en-GB" dirty="0"/>
+              <a:t>Part 14 - PMW many ways</a:t>
+            </a:r>
+          </a:p>
+          <a:p>
+            <a:r>
+              <a:rPr lang="en-GB" sz="1700" dirty="0" smtClean="0"/>
+              <a:t>January 2025</a:t>
+            </a:r>
+            <a:endParaRPr lang="en-GB" sz="1700" dirty="0"/>
+          </a:p>
+        </p:txBody>
+      </p:sp>
       <p:pic>
         <p:nvPicPr>
           <p:cNvPr id="1026" name="Picture 2" descr="D:\Build\AnobiumTransparent.jpg"/>
@@ -11339,303 +10731,12 @@
           </a:p>
         </p:txBody>
       </p:sp>
-      <p:sp>
-        <p:nvSpPr>
-          <p:cNvPr id="8" name="Text Placeholder 4"/>
-          <p:cNvSpPr txBox="1">
-            <a:spLocks/>
-          </p:cNvSpPr>
-          <p:nvPr/>
-        </p:nvSpPr>
-        <p:spPr>
-          <a:xfrm>
-            <a:off x="3805512" y="2931790"/>
-            <a:ext cx="3342861" cy="645300"/>
-          </a:xfrm>
-          <a:prstGeom prst="rect">
-            <a:avLst/>
-          </a:prstGeom>
-        </p:spPr>
-        <p:txBody>
-          <a:bodyPr vert="horz" lIns="68580" tIns="34290" rIns="68580" bIns="34290" rtlCol="0" anchor="t">
-            <a:normAutofit/>
-          </a:bodyPr>
-          <a:lstStyle>
-            <a:lvl1pPr marL="0" indent="0" algn="r" defTabSz="342900" rtl="0" eaLnBrk="1" latinLnBrk="0" hangingPunct="1">
-              <a:spcBef>
-                <a:spcPts val="750"/>
-              </a:spcBef>
-              <a:spcAft>
-                <a:spcPts val="0"/>
-              </a:spcAft>
-              <a:buClr>
-                <a:schemeClr val="accent1"/>
-              </a:buClr>
-              <a:buSzPct val="80000"/>
-              <a:buFont typeface="Wingdings 3" charset="2"/>
-              <a:buNone/>
-              <a:defRPr sz="1400" kern="1200">
-                <a:solidFill>
-                  <a:schemeClr val="tx1">
-                    <a:lumMod val="50000"/>
-                    <a:lumOff val="50000"/>
-                  </a:schemeClr>
-                </a:solidFill>
-                <a:latin typeface="+mn-lt"/>
-                <a:ea typeface="+mn-ea"/>
-                <a:cs typeface="+mn-cs"/>
-              </a:defRPr>
-            </a:lvl1pPr>
-            <a:lvl2pPr marL="342900" indent="0" algn="ctr" defTabSz="342900" rtl="0" eaLnBrk="1" latinLnBrk="0" hangingPunct="1">
-              <a:spcBef>
-                <a:spcPts val="750"/>
-              </a:spcBef>
-              <a:spcAft>
-                <a:spcPts val="0"/>
-              </a:spcAft>
-              <a:buClr>
-                <a:schemeClr val="accent1"/>
-              </a:buClr>
-              <a:buSzPct val="80000"/>
-              <a:buFont typeface="Wingdings 3" charset="2"/>
-              <a:buNone/>
-              <a:defRPr sz="1200" kern="1200">
-                <a:solidFill>
-                  <a:schemeClr val="tx1">
-                    <a:tint val="75000"/>
-                  </a:schemeClr>
-                </a:solidFill>
-                <a:latin typeface="+mn-lt"/>
-                <a:ea typeface="+mn-ea"/>
-                <a:cs typeface="+mn-cs"/>
-              </a:defRPr>
-            </a:lvl2pPr>
-            <a:lvl3pPr marL="685800" indent="0" algn="ctr" defTabSz="342900" rtl="0" eaLnBrk="1" latinLnBrk="0" hangingPunct="1">
-              <a:spcBef>
-                <a:spcPts val="750"/>
-              </a:spcBef>
-              <a:spcAft>
-                <a:spcPts val="0"/>
-              </a:spcAft>
-              <a:buClr>
-                <a:schemeClr val="accent1"/>
-              </a:buClr>
-              <a:buSzPct val="80000"/>
-              <a:buFont typeface="Wingdings 3" charset="2"/>
-              <a:buNone/>
-              <a:defRPr sz="1100" kern="1200">
-                <a:solidFill>
-                  <a:schemeClr val="tx1">
-                    <a:tint val="75000"/>
-                  </a:schemeClr>
-                </a:solidFill>
-                <a:latin typeface="+mn-lt"/>
-                <a:ea typeface="+mn-ea"/>
-                <a:cs typeface="+mn-cs"/>
-              </a:defRPr>
-            </a:lvl3pPr>
-            <a:lvl4pPr marL="1028700" indent="0" algn="ctr" defTabSz="342900" rtl="0" eaLnBrk="1" latinLnBrk="0" hangingPunct="1">
-              <a:spcBef>
-                <a:spcPts val="750"/>
-              </a:spcBef>
-              <a:spcAft>
-                <a:spcPts val="0"/>
-              </a:spcAft>
-              <a:buClr>
-                <a:schemeClr val="accent1"/>
-              </a:buClr>
-              <a:buSzPct val="80000"/>
-              <a:buFont typeface="Wingdings 3" charset="2"/>
-              <a:buNone/>
-              <a:defRPr sz="900" kern="1200">
-                <a:solidFill>
-                  <a:schemeClr val="tx1">
-                    <a:tint val="75000"/>
-                  </a:schemeClr>
-                </a:solidFill>
-                <a:latin typeface="+mn-lt"/>
-                <a:ea typeface="+mn-ea"/>
-                <a:cs typeface="+mn-cs"/>
-              </a:defRPr>
-            </a:lvl4pPr>
-            <a:lvl5pPr marL="1371600" indent="0" algn="ctr" defTabSz="342900" rtl="0" eaLnBrk="1" latinLnBrk="0" hangingPunct="1">
-              <a:spcBef>
-                <a:spcPts val="750"/>
-              </a:spcBef>
-              <a:spcAft>
-                <a:spcPts val="0"/>
-              </a:spcAft>
-              <a:buClr>
-                <a:schemeClr val="accent1"/>
-              </a:buClr>
-              <a:buSzPct val="80000"/>
-              <a:buFont typeface="Wingdings 3" charset="2"/>
-              <a:buNone/>
-              <a:defRPr sz="900" kern="1200">
-                <a:solidFill>
-                  <a:schemeClr val="tx1">
-                    <a:tint val="75000"/>
-                  </a:schemeClr>
-                </a:solidFill>
-                <a:latin typeface="+mn-lt"/>
-                <a:ea typeface="+mn-ea"/>
-                <a:cs typeface="+mn-cs"/>
-              </a:defRPr>
-            </a:lvl5pPr>
-            <a:lvl6pPr marL="1714500" indent="0" algn="ctr" defTabSz="342900" rtl="0" eaLnBrk="1" latinLnBrk="0" hangingPunct="1">
-              <a:spcBef>
-                <a:spcPts val="750"/>
-              </a:spcBef>
-              <a:spcAft>
-                <a:spcPts val="0"/>
-              </a:spcAft>
-              <a:buClr>
-                <a:schemeClr val="accent1"/>
-              </a:buClr>
-              <a:buSzPct val="80000"/>
-              <a:buFont typeface="Wingdings 3" charset="2"/>
-              <a:buNone/>
-              <a:defRPr sz="900" kern="1200">
-                <a:solidFill>
-                  <a:schemeClr val="tx1">
-                    <a:tint val="75000"/>
-                  </a:schemeClr>
-                </a:solidFill>
-                <a:latin typeface="+mn-lt"/>
-                <a:ea typeface="+mn-ea"/>
-                <a:cs typeface="+mn-cs"/>
-              </a:defRPr>
-            </a:lvl6pPr>
-            <a:lvl7pPr marL="2057400" indent="0" algn="ctr" defTabSz="342900" rtl="0" eaLnBrk="1" latinLnBrk="0" hangingPunct="1">
-              <a:spcBef>
-                <a:spcPts val="750"/>
-              </a:spcBef>
-              <a:spcAft>
-                <a:spcPts val="0"/>
-              </a:spcAft>
-              <a:buClr>
-                <a:schemeClr val="accent1"/>
-              </a:buClr>
-              <a:buSzPct val="80000"/>
-              <a:buFont typeface="Wingdings 3" charset="2"/>
-              <a:buNone/>
-              <a:defRPr sz="900" kern="1200">
-                <a:solidFill>
-                  <a:schemeClr val="tx1">
-                    <a:tint val="75000"/>
-                  </a:schemeClr>
-                </a:solidFill>
-                <a:latin typeface="+mn-lt"/>
-                <a:ea typeface="+mn-ea"/>
-                <a:cs typeface="+mn-cs"/>
-              </a:defRPr>
-            </a:lvl7pPr>
-            <a:lvl8pPr marL="2400300" indent="0" algn="ctr" defTabSz="342900" rtl="0" eaLnBrk="1" latinLnBrk="0" hangingPunct="1">
-              <a:spcBef>
-                <a:spcPts val="750"/>
-              </a:spcBef>
-              <a:spcAft>
-                <a:spcPts val="0"/>
-              </a:spcAft>
-              <a:buClr>
-                <a:schemeClr val="accent1"/>
-              </a:buClr>
-              <a:buSzPct val="80000"/>
-              <a:buFont typeface="Wingdings 3" charset="2"/>
-              <a:buNone/>
-              <a:defRPr sz="900" kern="1200">
-                <a:solidFill>
-                  <a:schemeClr val="tx1">
-                    <a:tint val="75000"/>
-                  </a:schemeClr>
-                </a:solidFill>
-                <a:latin typeface="+mn-lt"/>
-                <a:ea typeface="+mn-ea"/>
-                <a:cs typeface="+mn-cs"/>
-              </a:defRPr>
-            </a:lvl8pPr>
-            <a:lvl9pPr marL="2743200" indent="0" algn="ctr" defTabSz="342900" rtl="0" eaLnBrk="1" latinLnBrk="0" hangingPunct="1">
-              <a:spcBef>
-                <a:spcPts val="750"/>
-              </a:spcBef>
-              <a:spcAft>
-                <a:spcPts val="0"/>
-              </a:spcAft>
-              <a:buClr>
-                <a:schemeClr val="accent1"/>
-              </a:buClr>
-              <a:buSzPct val="80000"/>
-              <a:buFont typeface="Wingdings 3" charset="2"/>
-              <a:buNone/>
-              <a:defRPr sz="900" kern="1200">
-                <a:solidFill>
-                  <a:schemeClr val="tx1">
-                    <a:tint val="75000"/>
-                  </a:schemeClr>
-                </a:solidFill>
-                <a:latin typeface="+mn-lt"/>
-                <a:ea typeface="+mn-ea"/>
-                <a:cs typeface="+mn-cs"/>
-              </a:defRPr>
-            </a:lvl9pPr>
-          </a:lstStyle>
-          <a:p>
-            <a:r>
-              <a:rPr lang="en-GB" dirty="0" smtClean="0"/>
-              <a:t>PIC18FxxQ24</a:t>
-            </a:r>
-          </a:p>
-          <a:p>
-            <a:r>
-              <a:rPr lang="en-GB" dirty="0" smtClean="0"/>
-              <a:t>Part 14 - PMW many ways</a:t>
-            </a:r>
-            <a:endParaRPr lang="en-GB" dirty="0"/>
-          </a:p>
-        </p:txBody>
-      </p:sp>
-      <p:pic>
-        <p:nvPicPr>
-          <p:cNvPr id="10" name="Picture 2" descr="PIC18F26Q24"/>
-          <p:cNvPicPr>
-            <a:picLocks noChangeAspect="1" noChangeArrowheads="1"/>
-          </p:cNvPicPr>
-          <p:nvPr/>
-        </p:nvPicPr>
-        <p:blipFill>
-          <a:blip r:embed="rId3" cstate="print">
-            <a:extLst>
-              <a:ext uri="{28A0092B-C50C-407E-A947-70E740481C1C}">
-                <a14:useLocalDpi xmlns:a14="http://schemas.microsoft.com/office/drawing/2010/main" val="0"/>
-              </a:ext>
-            </a:extLst>
-          </a:blip>
-          <a:srcRect/>
-          <a:stretch>
-            <a:fillRect/>
-          </a:stretch>
-        </p:blipFill>
-        <p:spPr bwMode="auto">
-          <a:xfrm>
-            <a:off x="1907705" y="4116163"/>
-            <a:ext cx="1280738" cy="922132"/>
-          </a:xfrm>
-          <a:prstGeom prst="rect">
-            <a:avLst/>
-          </a:prstGeom>
-          <a:noFill/>
-          <a:extLst>
-            <a:ext uri="{909E8E84-426E-40DD-AFC4-6F175D3DCCD1}">
-              <a14:hiddenFill xmlns:a14="http://schemas.microsoft.com/office/drawing/2010/main">
-                <a:solidFill>
-                  <a:srgbClr val="FFFFFF"/>
-                </a:solidFill>
-              </a14:hiddenFill>
-            </a:ext>
-          </a:extLst>
-        </p:spPr>
-      </p:pic>
     </p:spTree>
+    <p:extLst>
+      <p:ext uri="{BB962C8B-B14F-4D97-AF65-F5344CB8AC3E}">
+        <p14:creationId xmlns:p14="http://schemas.microsoft.com/office/powerpoint/2010/main" val="2844544723"/>
+      </p:ext>
+    </p:extLst>
   </p:cSld>
   <p:clrMapOvr>
     <a:masterClrMapping/>
@@ -11831,121 +10932,10 @@
           </a:p>
         </p:txBody>
       </p:sp>
-      <p:pic>
-        <p:nvPicPr>
-          <p:cNvPr id="8" name="Picture 2" descr="PIC18F26Q24"/>
-          <p:cNvPicPr>
-            <a:picLocks noChangeAspect="1" noChangeArrowheads="1"/>
-          </p:cNvPicPr>
-          <p:nvPr/>
-        </p:nvPicPr>
-        <p:blipFill>
-          <a:blip r:embed="rId3" cstate="print">
-            <a:extLst>
-              <a:ext uri="{28A0092B-C50C-407E-A947-70E740481C1C}">
-                <a14:useLocalDpi xmlns:a14="http://schemas.microsoft.com/office/drawing/2010/main" val="0"/>
-              </a:ext>
-            </a:extLst>
-          </a:blip>
-          <a:srcRect/>
-          <a:stretch>
-            <a:fillRect/>
-          </a:stretch>
-        </p:blipFill>
-        <p:spPr bwMode="auto">
-          <a:xfrm>
-            <a:off x="1907705" y="4116163"/>
-            <a:ext cx="1280738" cy="922132"/>
-          </a:xfrm>
-          <a:prstGeom prst="rect">
-            <a:avLst/>
-          </a:prstGeom>
-          <a:noFill/>
-          <a:extLst>
-            <a:ext uri="{909E8E84-426E-40DD-AFC4-6F175D3DCCD1}">
-              <a14:hiddenFill xmlns:a14="http://schemas.microsoft.com/office/drawing/2010/main">
-                <a:solidFill>
-                  <a:srgbClr val="FFFFFF"/>
-                </a:solidFill>
-              </a14:hiddenFill>
-            </a:ext>
-          </a:extLst>
-        </p:spPr>
-      </p:pic>
-      <p:pic>
-        <p:nvPicPr>
-          <p:cNvPr id="10" name="Picture 8" descr="C:\Users\admin\OneDrive\Desktop\Picture1.jpg"/>
-          <p:cNvPicPr>
-            <a:picLocks noChangeAspect="1" noChangeArrowheads="1"/>
-          </p:cNvPicPr>
-          <p:nvPr/>
-        </p:nvPicPr>
-        <p:blipFill>
-          <a:blip r:embed="rId4">
-            <a:extLst>
-              <a:ext uri="{28A0092B-C50C-407E-A947-70E740481C1C}">
-                <a14:useLocalDpi xmlns:a14="http://schemas.microsoft.com/office/drawing/2010/main" val="0"/>
-              </a:ext>
-            </a:extLst>
-          </a:blip>
-          <a:srcRect/>
-          <a:stretch>
-            <a:fillRect/>
-          </a:stretch>
-        </p:blipFill>
-        <p:spPr bwMode="auto">
-          <a:xfrm>
-            <a:off x="3995936" y="3937587"/>
-            <a:ext cx="2320300" cy="1129258"/>
-          </a:xfrm>
-          <a:prstGeom prst="rect">
-            <a:avLst/>
-          </a:prstGeom>
-          <a:noFill/>
-          <a:extLst>
-            <a:ext uri="{909E8E84-426E-40DD-AFC4-6F175D3DCCD1}">
-              <a14:hiddenFill xmlns:a14="http://schemas.microsoft.com/office/drawing/2010/main">
-                <a:solidFill>
-                  <a:srgbClr val="FFFFFF"/>
-                </a:solidFill>
-              </a14:hiddenFill>
-            </a:ext>
-          </a:extLst>
-        </p:spPr>
-      </p:pic>
-      <p:sp>
-        <p:nvSpPr>
-          <p:cNvPr id="11" name="Date Placeholder 3"/>
-          <p:cNvSpPr>
-            <a:spLocks noGrp="1"/>
-          </p:cNvSpPr>
-          <p:nvPr>
-            <p:ph type="dt" sz="half" idx="10"/>
-          </p:nvPr>
-        </p:nvSpPr>
-        <p:spPr>
-          <a:xfrm>
-            <a:off x="6113182" y="4384422"/>
-            <a:ext cx="354882" cy="305233"/>
-          </a:xfrm>
-        </p:spPr>
-        <p:txBody>
-          <a:bodyPr/>
-          <a:lstStyle/>
-          <a:p>
-            <a:fld id="{1E700B27-DE4C-4B9E-BB11-B9027034A00F}" type="datetimeFigureOut">
-              <a:rPr lang="en-US" smtClean="0"/>
-              <a:pPr/>
-              <a:t>12/12/2024</a:t>
-            </a:fld>
-            <a:endParaRPr lang="en-US" dirty="0"/>
-          </a:p>
-        </p:txBody>
-      </p:sp>
     </p:spTree>
     <p:extLst>
       <p:ext uri="{BB962C8B-B14F-4D97-AF65-F5344CB8AC3E}">
-        <p14:creationId xmlns:p14="http://schemas.microsoft.com/office/powerpoint/2010/main" val="2553573428"/>
+        <p14:creationId xmlns:p14="http://schemas.microsoft.com/office/powerpoint/2010/main" val="110114977"/>
       </p:ext>
     </p:extLst>
   </p:cSld>
@@ -11971,7 +10961,7 @@
 </file>
 
 <file path=ppt/slides/slide4.xml><?xml version="1.0" encoding="utf-8"?>
-<p:sld xmlns:a="http://schemas.openxmlformats.org/drawingml/2006/main" xmlns:r="http://schemas.openxmlformats.org/officeDocument/2006/relationships" xmlns:p="http://schemas.openxmlformats.org/presentationml/2006/main">
+<p:sld xmlns:a="http://schemas.openxmlformats.org/drawingml/2006/main" xmlns:r="http://schemas.openxmlformats.org/officeDocument/2006/relationships" xmlns:p="http://schemas.openxmlformats.org/presentationml/2006/main" show="0">
   <p:cSld>
     <p:spTree>
       <p:nvGrpSpPr>
@@ -12005,7 +10995,7 @@
             <a:pPr algn="l"/>
             <a:r>
               <a:rPr lang="en-GB" dirty="0" smtClean="0"/>
-              <a:t>PIC18FxxQ24</a:t>
+              <a:t>PIC16Fxxxx</a:t>
             </a:r>
             <a:endParaRPr lang="en-GB" dirty="0"/>
           </a:p>
@@ -12024,27 +11014,39 @@
         <p:spPr/>
         <p:txBody>
           <a:bodyPr>
-            <a:normAutofit fontScale="92500" lnSpcReduction="10000"/>
+            <a:normAutofit/>
           </a:bodyPr>
           <a:lstStyle/>
           <a:p>
             <a:r>
+              <a:rPr lang="en-GB" dirty="0"/>
+              <a:t>PIC16Fxxxx </a:t>
+            </a:r>
+            <a:r>
               <a:rPr lang="en-GB" dirty="0" smtClean="0"/>
-              <a:t>PIC18-Q24 is a high performance PIC18 </a:t>
+              <a:t> is a high performance PIC16</a:t>
             </a:r>
           </a:p>
           <a:p>
             <a:pPr lvl="1"/>
             <a:r>
               <a:rPr lang="en-GB" dirty="0" smtClean="0"/>
-              <a:t>Digital and Analog peripherals </a:t>
+              <a:t>Digital and </a:t>
+            </a:r>
+            <a:r>
+              <a:rPr lang="en-GB" dirty="0" err="1" smtClean="0"/>
+              <a:t>Analog</a:t>
+            </a:r>
+            <a:r>
+              <a:rPr lang="en-GB" dirty="0" smtClean="0"/>
+              <a:t> peripherals </a:t>
             </a:r>
           </a:p>
           <a:p>
             <a:pPr lvl="1"/>
             <a:r>
               <a:rPr lang="en-GB" dirty="0" smtClean="0"/>
-              <a:t>10-bit ADC</a:t>
+              <a:t>8 –bit or 10-bit ADC</a:t>
             </a:r>
           </a:p>
           <a:p>
@@ -12064,31 +11066,17 @@
           <a:p>
             <a:pPr lvl="2"/>
             <a:r>
-              <a:rPr lang="en-GB" b="1" dirty="0" smtClean="0"/>
+              <a:rPr lang="en-GB" dirty="0" smtClean="0"/>
               <a:t>PWM – CCP/PWM and 16Bit</a:t>
             </a:r>
           </a:p>
           <a:p>
-            <a:pPr lvl="1"/>
+            <a:endParaRPr lang="en-GB" dirty="0" smtClean="0"/>
+          </a:p>
+          <a:p>
             <a:r>
               <a:rPr lang="en-GB" dirty="0" smtClean="0"/>
-              <a:t>Configurable Logic Cells</a:t>
-            </a:r>
-          </a:p>
-          <a:p>
-            <a:pPr lvl="1"/>
-            <a:r>
-              <a:rPr lang="en-GB" dirty="0" smtClean="0"/>
-              <a:t>Multi voltage domains</a:t>
-            </a:r>
-          </a:p>
-          <a:p>
-            <a:endParaRPr lang="en-GB" dirty="0" smtClean="0"/>
-          </a:p>
-          <a:p>
-            <a:r>
-              <a:rPr lang="en-GB" dirty="0" smtClean="0"/>
-              <a:t>The PIC18xxQ24 offers 28, 40 and 48-pin products in small footprint packages to support customers in a wide variety of applications. </a:t>
+              <a:t>The PIC16 offers 8, 14,18,20, 28, 40 and 48-pin packages to support customers in a wide variety of applications. </a:t>
             </a:r>
           </a:p>
           <a:p>
@@ -12097,6 +11085,11 @@
         </p:txBody>
       </p:sp>
     </p:spTree>
+    <p:extLst>
+      <p:ext uri="{BB962C8B-B14F-4D97-AF65-F5344CB8AC3E}">
+        <p14:creationId xmlns:p14="http://schemas.microsoft.com/office/powerpoint/2010/main" val="3777870333"/>
+      </p:ext>
+    </p:extLst>
   </p:cSld>
   <p:clrMapOvr>
     <a:masterClrMapping/>
@@ -12195,8 +11188,13 @@
             </a:pPr>
             <a:r>
               <a:rPr lang="en-GB" sz="1100" dirty="0"/>
-              <a:t>Install the hardware and make the board work – three LED programs</a:t>
-            </a:r>
+              <a:t>Install the hardware and make the board work </a:t>
+            </a:r>
+            <a:r>
+              <a:rPr lang="en-GB" sz="1100" dirty="0" smtClean="0"/>
+              <a:t>– make LEDs work</a:t>
+            </a:r>
+            <a:endParaRPr lang="en-GB" sz="1100" b="1" dirty="0"/>
           </a:p>
           <a:p>
             <a:pPr marL="180000" indent="-478483">
@@ -12299,15 +11297,7 @@
             </a:pPr>
             <a:r>
               <a:rPr lang="en-GB" sz="1100" dirty="0"/>
-              <a:t>Using the </a:t>
-            </a:r>
-            <a:r>
-              <a:rPr lang="en-GB" sz="1100" dirty="0" smtClean="0"/>
-              <a:t>timer0 </a:t>
-            </a:r>
-            <a:r>
-              <a:rPr lang="en-GB" sz="1100" dirty="0"/>
-              <a:t>overflow, 8bit timer, 16bit timer to flash the LEDs</a:t>
+              <a:t>Using the timer0 overflow, 8bit timer, 16bit timer to flash the LEDs</a:t>
             </a:r>
           </a:p>
           <a:p>
@@ -12320,7 +11310,15 @@
             </a:pPr>
             <a:r>
               <a:rPr lang="en-GB" sz="1100" dirty="0"/>
-              <a:t>Using EEProm – showing values on the serial terminal, and more constants insights</a:t>
+              <a:t>Using </a:t>
+            </a:r>
+            <a:r>
+              <a:rPr lang="en-GB" sz="1100" dirty="0" err="1"/>
+              <a:t>EEProm</a:t>
+            </a:r>
+            <a:r>
+              <a:rPr lang="en-GB" sz="1100" dirty="0"/>
+              <a:t> – showing values on the serial terminal, and more constants insights</a:t>
             </a:r>
           </a:p>
           <a:p>
@@ -12346,21 +11344,8 @@
             </a:pPr>
             <a:r>
               <a:rPr lang="en-GB" sz="1100" dirty="0"/>
-              <a:t>Using </a:t>
-            </a:r>
-            <a:r>
-              <a:rPr lang="en-GB" sz="1100" dirty="0" smtClean="0"/>
-              <a:t>I2C </a:t>
-            </a:r>
-            <a:r>
-              <a:rPr lang="en-GB" sz="1100" dirty="0"/>
-              <a:t>GCLD </a:t>
-            </a:r>
-            <a:r>
-              <a:rPr lang="en-GB" sz="1100" dirty="0" smtClean="0"/>
-              <a:t>display solutions</a:t>
-            </a:r>
-            <a:endParaRPr lang="en-GB" sz="1100" dirty="0"/>
+              <a:t>Using an I2C GCLD display</a:t>
+            </a:r>
           </a:p>
           <a:p>
             <a:pPr marL="180000" indent="-478483">
@@ -12372,13 +11357,8 @@
             </a:pPr>
             <a:r>
               <a:rPr lang="en-GB" sz="1100" dirty="0"/>
-              <a:t>Using a </a:t>
-            </a:r>
-            <a:r>
-              <a:rPr lang="en-GB" sz="1100" dirty="0" smtClean="0"/>
-              <a:t>SPI GLCD  display solutions</a:t>
-            </a:r>
-            <a:endParaRPr lang="en-GB" sz="1100" dirty="0"/>
+              <a:t>Using a SPI GCLD display</a:t>
+            </a:r>
           </a:p>
           <a:p>
             <a:pPr marL="180000" indent="-478483">
@@ -12394,11 +11374,11 @@
             </a:r>
             <a:r>
               <a:rPr lang="en-GB" sz="1100" b="1" dirty="0" smtClean="0"/>
-              <a:t>6  </a:t>
+              <a:t>many ways</a:t>
             </a:r>
             <a:r>
               <a:rPr lang="en-GB" sz="1100" b="1" dirty="0"/>
-              <a:t>ways,  to dim the LEDS</a:t>
+              <a:t>,  to dim the LEDS</a:t>
             </a:r>
           </a:p>
           <a:p>
@@ -12424,7 +11404,15 @@
             </a:pPr>
             <a:r>
               <a:rPr lang="en-GB" sz="1100" dirty="0"/>
-              <a:t>Using storage within the chip – Progmem, SAF memory, EEPROM and DATA blocks</a:t>
+              <a:t>Using storage within the chip – Progmem, </a:t>
+            </a:r>
+            <a:r>
+              <a:rPr lang="en-GB" sz="1100" dirty="0" smtClean="0"/>
+              <a:t>EEPROM </a:t>
+            </a:r>
+            <a:r>
+              <a:rPr lang="en-GB" sz="1100" dirty="0"/>
+              <a:t>and DATA blocks</a:t>
             </a:r>
           </a:p>
           <a:p>
@@ -12436,21 +11424,12 @@
               <a:buAutoNum type="arabicPeriod"/>
             </a:pPr>
             <a:r>
+              <a:rPr lang="en-GB" sz="1100" dirty="0" smtClean="0"/>
+              <a:t>The </a:t>
+            </a:r>
+            <a:r>
               <a:rPr lang="en-GB" sz="1100" dirty="0"/>
-              <a:t>Using CLC</a:t>
-            </a:r>
-          </a:p>
-          <a:p>
-            <a:pPr marL="180000" indent="-478483">
-              <a:spcBef>
-                <a:spcPts val="300"/>
-              </a:spcBef>
-              <a:buFont typeface="+mj-lt"/>
-              <a:buAutoNum type="arabicPeriod"/>
-            </a:pPr>
-            <a:r>
-              <a:rPr lang="en-GB" sz="1100" dirty="0"/>
-              <a:t>The GCBASIC tool chain</a:t>
+              <a:t>GCBASIC tool chain</a:t>
             </a:r>
           </a:p>
           <a:p>
@@ -12559,7 +11538,7 @@
     </p:spTree>
     <p:extLst>
       <p:ext uri="{BB962C8B-B14F-4D97-AF65-F5344CB8AC3E}">
-        <p14:creationId xmlns:p14="http://schemas.microsoft.com/office/powerpoint/2010/main" val="1947865557"/>
+        <p14:creationId xmlns:p14="http://schemas.microsoft.com/office/powerpoint/2010/main" val="838350762"/>
       </p:ext>
     </p:extLst>
   </p:cSld>
@@ -12682,7 +11661,7 @@
         <p:spPr>
           <a:xfrm>
             <a:off x="3563888" y="2643758"/>
-            <a:ext cx="3528392" cy="1393943"/>
+            <a:ext cx="3528392" cy="1655553"/>
           </a:xfrm>
           <a:prstGeom prst="rect">
             <a:avLst/>
@@ -12697,7 +11676,7 @@
           <a:p>
             <a:r>
               <a:rPr lang="en-GB" dirty="0" smtClean="0"/>
-              <a:t>GCBASIC is an Open Source compiler for PIC and AVR microcontrollers</a:t>
+              <a:t>GCBASIC is an Open Source compiler for PIC, AVR and LGT microcontrollers</a:t>
             </a:r>
           </a:p>
           <a:p>
@@ -12706,13 +11685,18 @@
           <a:p>
             <a:r>
               <a:rPr lang="en-GB" dirty="0" smtClean="0"/>
-              <a:t>GCBASIC now supports the 18FxxQ24 chip family</a:t>
+              <a:t>GCBASIC supports the 16Fxxxx chip family</a:t>
             </a:r>
             <a:endParaRPr lang="en-GB" dirty="0"/>
           </a:p>
         </p:txBody>
       </p:sp>
     </p:spTree>
+    <p:extLst>
+      <p:ext uri="{BB962C8B-B14F-4D97-AF65-F5344CB8AC3E}">
+        <p14:creationId xmlns:p14="http://schemas.microsoft.com/office/powerpoint/2010/main" val="799222105"/>
+      </p:ext>
+    </p:extLst>
   </p:cSld>
   <p:clrMapOvr>
     <a:masterClrMapping/>
@@ -12738,14 +11722,6 @@
 <file path=ppt/slides/slide7.xml><?xml version="1.0" encoding="utf-8"?>
 <p:sld xmlns:a="http://schemas.openxmlformats.org/drawingml/2006/main" xmlns:r="http://schemas.openxmlformats.org/officeDocument/2006/relationships" xmlns:p="http://schemas.openxmlformats.org/presentationml/2006/main">
   <p:cSld>
-    <p:bg>
-      <p:bgPr>
-        <a:solidFill>
-          <a:schemeClr val="bg1"/>
-        </a:solidFill>
-        <a:effectLst/>
-      </p:bgPr>
-    </p:bg>
     <p:spTree>
       <p:nvGrpSpPr>
         <p:cNvPr id="1" name=""/>
@@ -12794,14 +11770,11 @@
             <p:ph idx="1"/>
           </p:nvPr>
         </p:nvSpPr>
-        <p:spPr>
-          <a:xfrm>
-            <a:off x="508001" y="1707654"/>
-            <a:ext cx="6447501" cy="2744167"/>
-          </a:xfrm>
-        </p:spPr>
-        <p:txBody>
-          <a:bodyPr/>
+        <p:spPr/>
+        <p:txBody>
+          <a:bodyPr>
+            <a:normAutofit/>
+          </a:bodyPr>
           <a:lstStyle/>
           <a:p>
             <a:r>
@@ -12827,7 +11800,7 @@
             <a:pPr marL="778521" lvl="1" indent="-478483"/>
             <a:r>
               <a:rPr lang="en-GB" dirty="0" smtClean="0"/>
-              <a:t>Test that you have the 18FxxQ24 attached</a:t>
+              <a:t>Test that you have the PIC attached</a:t>
             </a:r>
           </a:p>
           <a:p>
@@ -12848,30 +11821,46 @@
             <a:pPr marL="778521" lvl="1" indent="-478483"/>
             <a:r>
               <a:rPr lang="en-GB" dirty="0" smtClean="0"/>
-              <a:t>You have </a:t>
-            </a:r>
-            <a:r>
-              <a:rPr lang="en-GB" dirty="0" err="1" smtClean="0"/>
-              <a:t>SWITCHes</a:t>
-            </a:r>
+              <a:t>You have switches connected</a:t>
+            </a:r>
+          </a:p>
+          <a:p>
+            <a:pPr marL="778521" lvl="1" indent="-478483"/>
             <a:r>
               <a:rPr lang="en-GB" dirty="0" smtClean="0"/>
-              <a:t> connected</a:t>
+              <a:t>You have USB/TTL serial converter</a:t>
             </a:r>
           </a:p>
           <a:p>
             <a:pPr marL="778521" lvl="1" indent="-478483"/>
             <a:r>
               <a:rPr lang="en-GB" dirty="0" smtClean="0"/>
-              <a:t>You have a USB/TTL converter</a:t>
-            </a:r>
+              <a:t>You have LCD</a:t>
+            </a:r>
+          </a:p>
+          <a:p>
+            <a:pPr marL="0" indent="0">
+              <a:buNone/>
+            </a:pPr>
+            <a:endParaRPr lang="en-GB" dirty="0" smtClean="0"/>
+          </a:p>
+          <a:p>
+            <a:pPr marL="0" indent="0">
+              <a:buNone/>
+            </a:pPr>
+            <a:endParaRPr lang="en-GB" dirty="0"/>
           </a:p>
         </p:txBody>
       </p:sp>
     </p:spTree>
+    <p:extLst>
+      <p:ext uri="{BB962C8B-B14F-4D97-AF65-F5344CB8AC3E}">
+        <p14:creationId xmlns:p14="http://schemas.microsoft.com/office/powerpoint/2010/main" val="1346165641"/>
+      </p:ext>
+    </p:extLst>
   </p:cSld>
   <p:clrMapOvr>
-    <a:overrideClrMapping bg1="lt1" tx1="dk1" bg2="lt2" tx2="dk2" accent1="accent1" accent2="accent2" accent3="accent3" accent4="accent4" accent5="accent5" accent6="accent6" hlink="hlink" folHlink="folHlink"/>
+    <a:masterClrMapping/>
   </p:clrMapOvr>
   <mc:AlternateContent xmlns:mc="http://schemas.openxmlformats.org/markup-compatibility/2006" xmlns:p14="http://schemas.microsoft.com/office/powerpoint/2010/main">
     <mc:Choice Requires="p14">
@@ -12908,32 +11897,9 @@
           <a:chExt cx="0" cy="0"/>
         </a:xfrm>
       </p:grpSpPr>
-      <p:sp>
-        <p:nvSpPr>
-          <p:cNvPr id="2" name="Title 1"/>
-          <p:cNvSpPr>
-            <a:spLocks noGrp="1"/>
-          </p:cNvSpPr>
-          <p:nvPr>
-            <p:ph type="title"/>
-          </p:nvPr>
-        </p:nvSpPr>
-        <p:spPr/>
-        <p:txBody>
-          <a:bodyPr/>
-          <a:lstStyle/>
-          <a:p>
-            <a:r>
-              <a:rPr lang="en-GB" dirty="0" smtClean="0"/>
-              <a:t>Power Domain – VDDIO2</a:t>
-            </a:r>
-            <a:endParaRPr lang="en-GB" dirty="0"/>
-          </a:p>
-        </p:txBody>
-      </p:sp>
       <p:pic>
         <p:nvPicPr>
-          <p:cNvPr id="4" name="Picture 2"/>
+          <p:cNvPr id="1026" name="Picture 2"/>
           <p:cNvPicPr>
             <a:picLocks noChangeAspect="1" noChangeArrowheads="1"/>
           </p:cNvPicPr>
@@ -12954,8 +11920,8 @@
         </p:blipFill>
         <p:spPr bwMode="auto">
           <a:xfrm>
-            <a:off x="1619672" y="987574"/>
-            <a:ext cx="4680520" cy="4086415"/>
+            <a:off x="107504" y="778048"/>
+            <a:ext cx="5087696" cy="4362922"/>
           </a:xfrm>
           <a:prstGeom prst="rect">
             <a:avLst/>
@@ -12995,10 +11961,560 @@
           </a:extLst>
         </p:spPr>
       </p:pic>
+      <p:sp>
+        <p:nvSpPr>
+          <p:cNvPr id="2" name="Title 1"/>
+          <p:cNvSpPr>
+            <a:spLocks noGrp="1"/>
+          </p:cNvSpPr>
+          <p:nvPr>
+            <p:ph type="title"/>
+          </p:nvPr>
+        </p:nvSpPr>
+        <p:spPr/>
+        <p:txBody>
+          <a:bodyPr/>
+          <a:lstStyle/>
+          <a:p>
+            <a:pPr algn="l"/>
+            <a:r>
+              <a:rPr lang="en-GB" dirty="0" smtClean="0"/>
+              <a:t>Hardware</a:t>
+            </a:r>
+            <a:endParaRPr lang="en-GB" dirty="0"/>
+          </a:p>
+        </p:txBody>
+      </p:sp>
+      <p:sp>
+        <p:nvSpPr>
+          <p:cNvPr id="5" name="Rectangle 4"/>
+          <p:cNvSpPr/>
+          <p:nvPr/>
+        </p:nvSpPr>
+        <p:spPr>
+          <a:xfrm>
+            <a:off x="5239650" y="1173882"/>
+            <a:ext cx="3825992" cy="3216265"/>
+          </a:xfrm>
+          <a:prstGeom prst="rect">
+            <a:avLst/>
+          </a:prstGeom>
+          <a:solidFill>
+            <a:schemeClr val="bg1"/>
+          </a:solidFill>
+        </p:spPr>
+        <p:txBody>
+          <a:bodyPr wrap="square">
+            <a:spAutoFit/>
+          </a:bodyPr>
+          <a:lstStyle/>
+          <a:p>
+            <a:r>
+              <a:rPr lang="en-GB" sz="700" b="1" dirty="0">
+                <a:latin typeface="Courier New" panose="02070309020205020404" pitchFamily="49" charset="0"/>
+                <a:cs typeface="Courier New" panose="02070309020205020404" pitchFamily="49" charset="0"/>
+              </a:rPr>
+              <a:t>The PICDEM 2 Plus Demonstration Board </a:t>
+            </a:r>
+            <a:endParaRPr lang="en-GB" sz="700" b="1" dirty="0" smtClean="0">
+              <a:latin typeface="Courier New" panose="02070309020205020404" pitchFamily="49" charset="0"/>
+              <a:cs typeface="Courier New" panose="02070309020205020404" pitchFamily="49" charset="0"/>
+            </a:endParaRPr>
+          </a:p>
+          <a:p>
+            <a:endParaRPr lang="en-GB" sz="700" b="1" dirty="0" smtClean="0">
+              <a:latin typeface="Courier New" panose="02070309020205020404" pitchFamily="49" charset="0"/>
+              <a:cs typeface="Courier New" panose="02070309020205020404" pitchFamily="49" charset="0"/>
+            </a:endParaRPr>
+          </a:p>
+          <a:p>
+            <a:pPr marL="228600" indent="-228600">
+              <a:buAutoNum type="arabicPeriod"/>
+            </a:pPr>
+            <a:r>
+              <a:rPr lang="en-GB" sz="700" dirty="0" smtClean="0">
+                <a:latin typeface="Courier New" panose="02070309020205020404" pitchFamily="49" charset="0"/>
+                <a:cs typeface="Courier New" panose="02070309020205020404" pitchFamily="49" charset="0"/>
+              </a:rPr>
+              <a:t>18-</a:t>
+            </a:r>
+            <a:r>
+              <a:rPr lang="en-GB" sz="700" dirty="0">
+                <a:latin typeface="Courier New" panose="02070309020205020404" pitchFamily="49" charset="0"/>
+                <a:cs typeface="Courier New" panose="02070309020205020404" pitchFamily="49" charset="0"/>
+              </a:rPr>
+              <a:t>, 28- and 40-pin DIP sockets (although three sockets are provided, only one device may be used at a time) </a:t>
+            </a:r>
+            <a:endParaRPr lang="en-GB" sz="700" dirty="0" smtClean="0">
+              <a:latin typeface="Courier New" panose="02070309020205020404" pitchFamily="49" charset="0"/>
+              <a:cs typeface="Courier New" panose="02070309020205020404" pitchFamily="49" charset="0"/>
+            </a:endParaRPr>
+          </a:p>
+          <a:p>
+            <a:pPr marL="228600" indent="-228600">
+              <a:buAutoNum type="arabicPeriod"/>
+            </a:pPr>
+            <a:r>
+              <a:rPr lang="en-GB" sz="700" dirty="0" smtClean="0">
+                <a:latin typeface="Courier New" panose="02070309020205020404" pitchFamily="49" charset="0"/>
+                <a:cs typeface="Courier New" panose="02070309020205020404" pitchFamily="49" charset="0"/>
+              </a:rPr>
+              <a:t>On-board</a:t>
+            </a:r>
+            <a:r>
+              <a:rPr lang="en-GB" sz="700" dirty="0">
+                <a:latin typeface="Courier New" panose="02070309020205020404" pitchFamily="49" charset="0"/>
+                <a:cs typeface="Courier New" panose="02070309020205020404" pitchFamily="49" charset="0"/>
+              </a:rPr>
+              <a:t>, +5V regulator for direct input from 9V, 100 mA AC/DC wall adapter or 9V battery, or hooks for a +5V, 100 mA regulated DC supply </a:t>
+            </a:r>
+            <a:endParaRPr lang="en-GB" sz="700" dirty="0" smtClean="0">
+              <a:latin typeface="Courier New" panose="02070309020205020404" pitchFamily="49" charset="0"/>
+              <a:cs typeface="Courier New" panose="02070309020205020404" pitchFamily="49" charset="0"/>
+            </a:endParaRPr>
+          </a:p>
+          <a:p>
+            <a:pPr marL="228600" indent="-228600">
+              <a:buAutoNum type="arabicPeriod"/>
+            </a:pPr>
+            <a:r>
+              <a:rPr lang="en-GB" sz="700" dirty="0" smtClean="0">
+                <a:latin typeface="Courier New" panose="02070309020205020404" pitchFamily="49" charset="0"/>
+                <a:cs typeface="Courier New" panose="02070309020205020404" pitchFamily="49" charset="0"/>
+              </a:rPr>
+              <a:t>RS-232 </a:t>
+            </a:r>
+            <a:r>
+              <a:rPr lang="en-GB" sz="700" dirty="0">
+                <a:latin typeface="Courier New" panose="02070309020205020404" pitchFamily="49" charset="0"/>
+                <a:cs typeface="Courier New" panose="02070309020205020404" pitchFamily="49" charset="0"/>
+              </a:rPr>
+              <a:t>socket and associated hardware for direct connection to an RS-232 </a:t>
+            </a:r>
+            <a:r>
+              <a:rPr lang="en-GB" sz="700" dirty="0" smtClean="0">
+                <a:latin typeface="Courier New" panose="02070309020205020404" pitchFamily="49" charset="0"/>
+                <a:cs typeface="Courier New" panose="02070309020205020404" pitchFamily="49" charset="0"/>
+              </a:rPr>
+              <a:t>interface</a:t>
+            </a:r>
+          </a:p>
+          <a:p>
+            <a:pPr marL="228600" indent="-228600">
+              <a:buAutoNum type="arabicPeriod"/>
+            </a:pPr>
+            <a:r>
+              <a:rPr lang="en-GB" sz="700" dirty="0" smtClean="0">
+                <a:latin typeface="Courier New" panose="02070309020205020404" pitchFamily="49" charset="0"/>
+                <a:cs typeface="Courier New" panose="02070309020205020404" pitchFamily="49" charset="0"/>
+              </a:rPr>
+              <a:t>Programmer/debugger </a:t>
+            </a:r>
+            <a:r>
+              <a:rPr lang="en-GB" sz="700" dirty="0">
+                <a:latin typeface="Courier New" panose="02070309020205020404" pitchFamily="49" charset="0"/>
+                <a:cs typeface="Courier New" panose="02070309020205020404" pitchFamily="49" charset="0"/>
+              </a:rPr>
+              <a:t>connectivity supporting MPLAB® ICD 3, MPLAB REAL ICE, </a:t>
+            </a:r>
+            <a:r>
+              <a:rPr lang="en-GB" sz="700" dirty="0" err="1">
+                <a:latin typeface="Courier New" panose="02070309020205020404" pitchFamily="49" charset="0"/>
+                <a:cs typeface="Courier New" panose="02070309020205020404" pitchFamily="49" charset="0"/>
+              </a:rPr>
+              <a:t>PICkit</a:t>
+            </a:r>
+            <a:r>
+              <a:rPr lang="en-GB" sz="700" dirty="0">
+                <a:latin typeface="Courier New" panose="02070309020205020404" pitchFamily="49" charset="0"/>
+                <a:cs typeface="Courier New" panose="02070309020205020404" pitchFamily="49" charset="0"/>
+              </a:rPr>
+              <a:t> </a:t>
+            </a:r>
+            <a:r>
+              <a:rPr lang="en-GB" sz="700" dirty="0" smtClean="0">
+                <a:latin typeface="Courier New" panose="02070309020205020404" pitchFamily="49" charset="0"/>
+                <a:cs typeface="Courier New" panose="02070309020205020404" pitchFamily="49" charset="0"/>
+              </a:rPr>
+              <a:t>2 </a:t>
+            </a:r>
+            <a:r>
+              <a:rPr lang="en-GB" sz="700" dirty="0">
+                <a:latin typeface="Courier New" panose="02070309020205020404" pitchFamily="49" charset="0"/>
+                <a:cs typeface="Courier New" panose="02070309020205020404" pitchFamily="49" charset="0"/>
+              </a:rPr>
+              <a:t>and </a:t>
+            </a:r>
+            <a:r>
+              <a:rPr lang="en-GB" sz="700" dirty="0" err="1">
+                <a:latin typeface="Courier New" panose="02070309020205020404" pitchFamily="49" charset="0"/>
+                <a:cs typeface="Courier New" panose="02070309020205020404" pitchFamily="49" charset="0"/>
+              </a:rPr>
+              <a:t>PICkit</a:t>
+            </a:r>
+            <a:r>
+              <a:rPr lang="en-GB" sz="700" dirty="0">
+                <a:latin typeface="Courier New" panose="02070309020205020404" pitchFamily="49" charset="0"/>
+                <a:cs typeface="Courier New" panose="02070309020205020404" pitchFamily="49" charset="0"/>
+              </a:rPr>
+              <a:t> 3 </a:t>
+            </a:r>
+            <a:endParaRPr lang="en-GB" sz="700" dirty="0" smtClean="0">
+              <a:latin typeface="Courier New" panose="02070309020205020404" pitchFamily="49" charset="0"/>
+              <a:cs typeface="Courier New" panose="02070309020205020404" pitchFamily="49" charset="0"/>
+            </a:endParaRPr>
+          </a:p>
+          <a:p>
+            <a:pPr marL="228600" indent="-228600">
+              <a:buAutoNum type="arabicPeriod"/>
+            </a:pPr>
+            <a:r>
+              <a:rPr lang="en-GB" sz="700" dirty="0" err="1" smtClean="0">
+                <a:latin typeface="Courier New" panose="02070309020205020404" pitchFamily="49" charset="0"/>
+                <a:cs typeface="Courier New" panose="02070309020205020404" pitchFamily="49" charset="0"/>
+              </a:rPr>
+              <a:t>PICkit</a:t>
+            </a:r>
+            <a:r>
+              <a:rPr lang="en-GB" sz="700" dirty="0" smtClean="0">
+                <a:latin typeface="Courier New" panose="02070309020205020404" pitchFamily="49" charset="0"/>
+                <a:cs typeface="Courier New" panose="02070309020205020404" pitchFamily="49" charset="0"/>
+              </a:rPr>
+              <a:t> </a:t>
+            </a:r>
+            <a:r>
+              <a:rPr lang="en-GB" sz="700" dirty="0">
+                <a:latin typeface="Courier New" panose="02070309020205020404" pitchFamily="49" charset="0"/>
+                <a:cs typeface="Courier New" panose="02070309020205020404" pitchFamily="49" charset="0"/>
+              </a:rPr>
+              <a:t>Serial Connector for analysis of serial communications peripherals such as SPI or I2C™ </a:t>
+            </a:r>
+            <a:endParaRPr lang="en-GB" sz="700" dirty="0" smtClean="0">
+              <a:latin typeface="Courier New" panose="02070309020205020404" pitchFamily="49" charset="0"/>
+              <a:cs typeface="Courier New" panose="02070309020205020404" pitchFamily="49" charset="0"/>
+            </a:endParaRPr>
+          </a:p>
+          <a:p>
+            <a:pPr marL="228600" indent="-228600">
+              <a:buAutoNum type="arabicPeriod"/>
+            </a:pPr>
+            <a:r>
+              <a:rPr lang="en-GB" sz="700" dirty="0" smtClean="0">
+                <a:latin typeface="Courier New" panose="02070309020205020404" pitchFamily="49" charset="0"/>
+                <a:cs typeface="Courier New" panose="02070309020205020404" pitchFamily="49" charset="0"/>
+              </a:rPr>
+              <a:t>5 k </a:t>
+            </a:r>
+            <a:r>
+              <a:rPr lang="en-GB" sz="700" dirty="0">
+                <a:latin typeface="Courier New" panose="02070309020205020404" pitchFamily="49" charset="0"/>
+                <a:cs typeface="Courier New" panose="02070309020205020404" pitchFamily="49" charset="0"/>
+              </a:rPr>
+              <a:t>pot for devices with </a:t>
+            </a:r>
+            <a:r>
+              <a:rPr lang="en-GB" sz="700" dirty="0" err="1">
+                <a:latin typeface="Courier New" panose="02070309020205020404" pitchFamily="49" charset="0"/>
+                <a:cs typeface="Courier New" panose="02070309020205020404" pitchFamily="49" charset="0"/>
+              </a:rPr>
+              <a:t>analog</a:t>
+            </a:r>
+            <a:r>
+              <a:rPr lang="en-GB" sz="700" dirty="0">
+                <a:latin typeface="Courier New" panose="02070309020205020404" pitchFamily="49" charset="0"/>
+                <a:cs typeface="Courier New" panose="02070309020205020404" pitchFamily="49" charset="0"/>
+              </a:rPr>
+              <a:t> inputs </a:t>
+            </a:r>
+            <a:endParaRPr lang="en-GB" sz="700" dirty="0" smtClean="0">
+              <a:latin typeface="Courier New" panose="02070309020205020404" pitchFamily="49" charset="0"/>
+              <a:cs typeface="Courier New" panose="02070309020205020404" pitchFamily="49" charset="0"/>
+            </a:endParaRPr>
+          </a:p>
+          <a:p>
+            <a:pPr marL="228600" indent="-228600">
+              <a:buAutoNum type="arabicPeriod"/>
+            </a:pPr>
+            <a:r>
+              <a:rPr lang="en-GB" sz="700" dirty="0" smtClean="0">
+                <a:latin typeface="Courier New" panose="02070309020205020404" pitchFamily="49" charset="0"/>
+                <a:cs typeface="Courier New" panose="02070309020205020404" pitchFamily="49" charset="0"/>
+              </a:rPr>
+              <a:t>Three </a:t>
+            </a:r>
+            <a:r>
+              <a:rPr lang="en-GB" sz="700" dirty="0">
+                <a:latin typeface="Courier New" panose="02070309020205020404" pitchFamily="49" charset="0"/>
+                <a:cs typeface="Courier New" panose="02070309020205020404" pitchFamily="49" charset="0"/>
+              </a:rPr>
+              <a:t>push button switches for external stimulus and Reset </a:t>
+            </a:r>
+            <a:endParaRPr lang="en-GB" sz="700" dirty="0" smtClean="0">
+              <a:latin typeface="Courier New" panose="02070309020205020404" pitchFamily="49" charset="0"/>
+              <a:cs typeface="Courier New" panose="02070309020205020404" pitchFamily="49" charset="0"/>
+            </a:endParaRPr>
+          </a:p>
+          <a:p>
+            <a:pPr marL="228600" indent="-228600">
+              <a:buAutoNum type="arabicPeriod"/>
+            </a:pPr>
+            <a:r>
+              <a:rPr lang="en-GB" sz="700" dirty="0" smtClean="0">
+                <a:latin typeface="Courier New" panose="02070309020205020404" pitchFamily="49" charset="0"/>
+                <a:cs typeface="Courier New" panose="02070309020205020404" pitchFamily="49" charset="0"/>
+              </a:rPr>
+              <a:t>Power-on </a:t>
+            </a:r>
+            <a:r>
+              <a:rPr lang="en-GB" sz="700" dirty="0">
+                <a:latin typeface="Courier New" panose="02070309020205020404" pitchFamily="49" charset="0"/>
+                <a:cs typeface="Courier New" panose="02070309020205020404" pitchFamily="49" charset="0"/>
+              </a:rPr>
+              <a:t>indicator LED </a:t>
+            </a:r>
+            <a:endParaRPr lang="en-GB" sz="700" dirty="0" smtClean="0">
+              <a:latin typeface="Courier New" panose="02070309020205020404" pitchFamily="49" charset="0"/>
+              <a:cs typeface="Courier New" panose="02070309020205020404" pitchFamily="49" charset="0"/>
+            </a:endParaRPr>
+          </a:p>
+          <a:p>
+            <a:pPr marL="228600" indent="-228600">
+              <a:buAutoNum type="arabicPeriod"/>
+            </a:pPr>
+            <a:r>
+              <a:rPr lang="en-GB" sz="700" dirty="0" smtClean="0">
+                <a:latin typeface="Courier New" panose="02070309020205020404" pitchFamily="49" charset="0"/>
+                <a:cs typeface="Courier New" panose="02070309020205020404" pitchFamily="49" charset="0"/>
+              </a:rPr>
+              <a:t>Four </a:t>
+            </a:r>
+            <a:r>
+              <a:rPr lang="en-GB" sz="700" dirty="0">
+                <a:latin typeface="Courier New" panose="02070309020205020404" pitchFamily="49" charset="0"/>
+                <a:cs typeface="Courier New" panose="02070309020205020404" pitchFamily="49" charset="0"/>
+              </a:rPr>
+              <a:t>LEDs connected to PORTB </a:t>
+            </a:r>
+            <a:endParaRPr lang="en-GB" sz="700" dirty="0" smtClean="0">
+              <a:latin typeface="Courier New" panose="02070309020205020404" pitchFamily="49" charset="0"/>
+              <a:cs typeface="Courier New" panose="02070309020205020404" pitchFamily="49" charset="0"/>
+            </a:endParaRPr>
+          </a:p>
+          <a:p>
+            <a:pPr marL="228600" indent="-228600">
+              <a:buAutoNum type="arabicPeriod"/>
+            </a:pPr>
+            <a:r>
+              <a:rPr lang="en-GB" sz="700" dirty="0" smtClean="0">
+                <a:latin typeface="Courier New" panose="02070309020205020404" pitchFamily="49" charset="0"/>
+                <a:cs typeface="Courier New" panose="02070309020205020404" pitchFamily="49" charset="0"/>
+              </a:rPr>
+              <a:t>On-board </a:t>
+            </a:r>
+            <a:r>
+              <a:rPr lang="en-GB" sz="700" dirty="0">
+                <a:latin typeface="Courier New" panose="02070309020205020404" pitchFamily="49" charset="0"/>
+                <a:cs typeface="Courier New" panose="02070309020205020404" pitchFamily="49" charset="0"/>
+              </a:rPr>
+              <a:t>external oscillators including: a) Unpopulated DIP socket for canned crystal oscillator (Y2) b) RC oscillator circuit (R4, C3) c) Unpopulated holes for crystal connection (Y1) d) 32.768 kHz crystal for Timer1 clock operation (Y3</a:t>
+            </a:r>
+            <a:r>
+              <a:rPr lang="en-GB" sz="700" dirty="0" smtClean="0">
+                <a:latin typeface="Courier New" panose="02070309020205020404" pitchFamily="49" charset="0"/>
+                <a:cs typeface="Courier New" panose="02070309020205020404" pitchFamily="49" charset="0"/>
+              </a:rPr>
+              <a:t>)</a:t>
+            </a:r>
+          </a:p>
+          <a:p>
+            <a:pPr marL="228600" indent="-228600">
+              <a:buAutoNum type="arabicPeriod"/>
+            </a:pPr>
+            <a:r>
+              <a:rPr lang="en-GB" sz="700" dirty="0">
+                <a:latin typeface="Courier New" panose="02070309020205020404" pitchFamily="49" charset="0"/>
+                <a:cs typeface="Courier New" panose="02070309020205020404" pitchFamily="49" charset="0"/>
+              </a:rPr>
+              <a:t>32K x 8 Serial EEPROM</a:t>
+            </a:r>
+          </a:p>
+          <a:p>
+            <a:pPr marL="228600" indent="-228600">
+              <a:buAutoNum type="arabicPeriod"/>
+            </a:pPr>
+            <a:r>
+              <a:rPr lang="en-GB" sz="700" dirty="0" smtClean="0">
+                <a:latin typeface="Courier New" panose="02070309020205020404" pitchFamily="49" charset="0"/>
+                <a:cs typeface="Courier New" panose="02070309020205020404" pitchFamily="49" charset="0"/>
+              </a:rPr>
+              <a:t>LCD </a:t>
+            </a:r>
+            <a:r>
+              <a:rPr lang="en-GB" sz="700" dirty="0">
+                <a:latin typeface="Courier New" panose="02070309020205020404" pitchFamily="49" charset="0"/>
+                <a:cs typeface="Courier New" panose="02070309020205020404" pitchFamily="49" charset="0"/>
+              </a:rPr>
+              <a:t>display</a:t>
+            </a:r>
+          </a:p>
+          <a:p>
+            <a:pPr marL="228600" indent="-228600">
+              <a:buAutoNum type="arabicPeriod"/>
+            </a:pPr>
+            <a:r>
+              <a:rPr lang="en-GB" sz="700" dirty="0" smtClean="0">
+                <a:latin typeface="Courier New" panose="02070309020205020404" pitchFamily="49" charset="0"/>
+                <a:cs typeface="Courier New" panose="02070309020205020404" pitchFamily="49" charset="0"/>
+              </a:rPr>
+              <a:t>Piezo </a:t>
+            </a:r>
+            <a:r>
+              <a:rPr lang="en-GB" sz="700" dirty="0">
+                <a:latin typeface="Courier New" panose="02070309020205020404" pitchFamily="49" charset="0"/>
+                <a:cs typeface="Courier New" panose="02070309020205020404" pitchFamily="49" charset="0"/>
+              </a:rPr>
+              <a:t>buzzer</a:t>
+            </a:r>
+          </a:p>
+          <a:p>
+            <a:pPr marL="228600" indent="-228600">
+              <a:buAutoNum type="arabicPeriod"/>
+            </a:pPr>
+            <a:r>
+              <a:rPr lang="en-GB" sz="700" dirty="0" smtClean="0">
+                <a:latin typeface="Courier New" panose="02070309020205020404" pitchFamily="49" charset="0"/>
+                <a:cs typeface="Courier New" panose="02070309020205020404" pitchFamily="49" charset="0"/>
+              </a:rPr>
+              <a:t>Prototype </a:t>
+            </a:r>
+            <a:r>
+              <a:rPr lang="en-GB" sz="700" dirty="0">
+                <a:latin typeface="Courier New" panose="02070309020205020404" pitchFamily="49" charset="0"/>
+                <a:cs typeface="Courier New" panose="02070309020205020404" pitchFamily="49" charset="0"/>
+              </a:rPr>
+              <a:t>area for user hardware</a:t>
+            </a:r>
+          </a:p>
+          <a:p>
+            <a:pPr marL="228600" indent="-228600">
+              <a:buAutoNum type="arabicPeriod"/>
+            </a:pPr>
+            <a:r>
+              <a:rPr lang="en-GB" sz="700" dirty="0" smtClean="0">
+                <a:latin typeface="Courier New" panose="02070309020205020404" pitchFamily="49" charset="0"/>
+                <a:cs typeface="Courier New" panose="02070309020205020404" pitchFamily="49" charset="0"/>
+              </a:rPr>
+              <a:t>Expansion </a:t>
+            </a:r>
+            <a:r>
+              <a:rPr lang="en-GB" sz="700" dirty="0">
+                <a:latin typeface="Courier New" panose="02070309020205020404" pitchFamily="49" charset="0"/>
+                <a:cs typeface="Courier New" panose="02070309020205020404" pitchFamily="49" charset="0"/>
+              </a:rPr>
+              <a:t>Header for </a:t>
+            </a:r>
+            <a:r>
+              <a:rPr lang="en-GB" sz="700" dirty="0" err="1">
+                <a:latin typeface="Courier New" panose="02070309020205020404" pitchFamily="49" charset="0"/>
+                <a:cs typeface="Courier New" panose="02070309020205020404" pitchFamily="49" charset="0"/>
+              </a:rPr>
+              <a:t>PICtail</a:t>
+            </a:r>
+            <a:r>
+              <a:rPr lang="en-GB" sz="700" dirty="0">
+                <a:latin typeface="Courier New" panose="02070309020205020404" pitchFamily="49" charset="0"/>
+                <a:cs typeface="Courier New" panose="02070309020205020404" pitchFamily="49" charset="0"/>
+              </a:rPr>
+              <a:t>™ daughter card connectivity or user access to</a:t>
+            </a:r>
+          </a:p>
+          <a:p>
+            <a:pPr marL="228600" indent="-228600">
+              <a:buAutoNum type="arabicPeriod"/>
+            </a:pPr>
+            <a:r>
+              <a:rPr lang="en-GB" sz="700" dirty="0" smtClean="0">
+                <a:latin typeface="Courier New" panose="02070309020205020404" pitchFamily="49" charset="0"/>
+                <a:cs typeface="Courier New" panose="02070309020205020404" pitchFamily="49" charset="0"/>
+              </a:rPr>
+              <a:t>MCUs</a:t>
+            </a:r>
+            <a:endParaRPr lang="en-GB" sz="700" dirty="0">
+              <a:latin typeface="Courier New" panose="02070309020205020404" pitchFamily="49" charset="0"/>
+              <a:cs typeface="Courier New" panose="02070309020205020404" pitchFamily="49" charset="0"/>
+            </a:endParaRPr>
+          </a:p>
+          <a:p>
+            <a:pPr marL="228600" indent="-228600">
+              <a:buAutoNum type="arabicPeriod"/>
+            </a:pPr>
+            <a:r>
+              <a:rPr lang="en-GB" sz="700" dirty="0" smtClean="0">
+                <a:latin typeface="Courier New" panose="02070309020205020404" pitchFamily="49" charset="0"/>
+                <a:cs typeface="Courier New" panose="02070309020205020404" pitchFamily="49" charset="0"/>
+              </a:rPr>
+              <a:t>Microchip </a:t>
+            </a:r>
+            <a:r>
+              <a:rPr lang="en-GB" sz="700" dirty="0">
+                <a:latin typeface="Courier New" panose="02070309020205020404" pitchFamily="49" charset="0"/>
+                <a:cs typeface="Courier New" panose="02070309020205020404" pitchFamily="49" charset="0"/>
+              </a:rPr>
+              <a:t>TC74 thermal sensor</a:t>
+            </a:r>
+          </a:p>
+        </p:txBody>
+      </p:sp>
+      <p:sp>
+        <p:nvSpPr>
+          <p:cNvPr id="3" name="Oval 2"/>
+          <p:cNvSpPr/>
+          <p:nvPr/>
+        </p:nvSpPr>
+        <p:spPr>
+          <a:xfrm>
+            <a:off x="1460844" y="2355725"/>
+            <a:ext cx="288032" cy="391739"/>
+          </a:xfrm>
+          <a:prstGeom prst="ellipse">
+            <a:avLst/>
+          </a:prstGeom>
+          <a:noFill/>
+          <a:ln>
+            <a:solidFill>
+              <a:srgbClr val="FF0000"/>
+            </a:solidFill>
+          </a:ln>
+        </p:spPr>
+        <p:style>
+          <a:lnRef idx="2">
+            <a:schemeClr val="accent1">
+              <a:shade val="50000"/>
+            </a:schemeClr>
+          </a:lnRef>
+          <a:fillRef idx="1">
+            <a:schemeClr val="accent1"/>
+          </a:fillRef>
+          <a:effectRef idx="0">
+            <a:schemeClr val="accent1"/>
+          </a:effectRef>
+          <a:fontRef idx="minor">
+            <a:schemeClr val="lt1"/>
+          </a:fontRef>
+        </p:style>
+        <p:txBody>
+          <a:bodyPr rtlCol="0" anchor="ctr"/>
+          <a:lstStyle/>
+          <a:p>
+            <a:pPr algn="ctr"/>
+            <a:endParaRPr lang="en-GB"/>
+          </a:p>
+        </p:txBody>
+      </p:sp>
     </p:spTree>
     <p:extLst>
       <p:ext uri="{BB962C8B-B14F-4D97-AF65-F5344CB8AC3E}">
-        <p14:creationId xmlns:p14="http://schemas.microsoft.com/office/powerpoint/2010/main" val="1666153811"/>
+        <p14:creationId xmlns:p14="http://schemas.microsoft.com/office/powerpoint/2010/main" val="3281163595"/>
       </p:ext>
     </p:extLst>
   </p:cSld>
@@ -13074,7 +12590,12 @@
             <p:ph idx="1"/>
           </p:nvPr>
         </p:nvSpPr>
-        <p:spPr/>
+        <p:spPr>
+          <a:xfrm>
+            <a:off x="251520" y="1779662"/>
+            <a:ext cx="6447501" cy="2744167"/>
+          </a:xfrm>
+        </p:spPr>
         <p:txBody>
           <a:bodyPr/>
           <a:lstStyle/>
@@ -13106,14 +12627,20 @@
           <a:p>
             <a:r>
               <a:rPr lang="en-GB" dirty="0" smtClean="0"/>
-              <a:t>Switches &amp; resistors</a:t>
+              <a:t>Switches</a:t>
             </a:r>
           </a:p>
           <a:p>
             <a:r>
               <a:rPr lang="en-GB" dirty="0" smtClean="0"/>
-              <a:t>SPI device and circuit</a:t>
-            </a:r>
+              <a:t>TTL/USB</a:t>
+            </a:r>
+          </a:p>
+          <a:p>
+            <a:pPr marL="0" indent="0">
+              <a:buNone/>
+            </a:pPr>
+            <a:endParaRPr lang="en-GB" dirty="0" smtClean="0"/>
           </a:p>
           <a:p>
             <a:endParaRPr lang="en-GB" dirty="0"/>
@@ -13128,8 +12655,8 @@
         </p:nvSpPr>
         <p:spPr>
           <a:xfrm>
-            <a:off x="2843808" y="1295349"/>
-            <a:ext cx="4356653" cy="3508649"/>
+            <a:off x="2206278" y="168176"/>
+            <a:ext cx="5328592" cy="4893647"/>
           </a:xfrm>
           <a:prstGeom prst="rect">
             <a:avLst/>
@@ -13139,13 +12666,13 @@
           </a:solidFill>
         </p:spPr>
         <p:txBody>
-          <a:bodyPr wrap="square" lIns="121917" tIns="60958" rIns="121917" bIns="60958" rtlCol="0">
+          <a:bodyPr wrap="square" rtlCol="0">
             <a:spAutoFit/>
           </a:bodyPr>
           <a:lstStyle/>
           <a:p>
             <a:r>
-              <a:rPr lang="en-GB" sz="1100" dirty="0">
+              <a:rPr lang="en-GB" sz="1200" b="1" dirty="0">
                 <a:latin typeface="Courier New" panose="02070309020205020404" pitchFamily="49" charset="0"/>
                 <a:cs typeface="Courier New" panose="02070309020205020404" pitchFamily="49" charset="0"/>
               </a:rPr>
@@ -13154,252 +12681,330 @@
           </a:p>
           <a:p>
             <a:r>
-              <a:rPr lang="en-GB" sz="1100" dirty="0">
+              <a:rPr lang="en-GB" sz="1200" b="1" dirty="0">
                 <a:latin typeface="Courier New" panose="02070309020205020404" pitchFamily="49" charset="0"/>
                 <a:cs typeface="Courier New" panose="02070309020205020404" pitchFamily="49" charset="0"/>
               </a:rPr>
-              <a:t>    -------------------PORTA----------------</a:t>
-            </a:r>
-          </a:p>
-          <a:p>
-            <a:r>
-              <a:rPr lang="en-GB" sz="1100" dirty="0">
+              <a:t> </a:t>
+            </a:r>
+            <a:r>
+              <a:rPr lang="en-GB" sz="1200" b="1" dirty="0" smtClean="0">
                 <a:latin typeface="Courier New" panose="02070309020205020404" pitchFamily="49" charset="0"/>
                 <a:cs typeface="Courier New" panose="02070309020205020404" pitchFamily="49" charset="0"/>
               </a:rPr>
-              <a:t>    Bit#:  -7---6---5---4---3---2---1---0---</a:t>
-            </a:r>
-          </a:p>
-          <a:p>
-            <a:r>
-              <a:rPr lang="en-GB" sz="1100" dirty="0">
+              <a:t>           ------------</a:t>
+            </a:r>
+            <a:r>
+              <a:rPr lang="en-GB" sz="1200" b="1" dirty="0">
                 <a:latin typeface="Courier New" panose="02070309020205020404" pitchFamily="49" charset="0"/>
                 <a:cs typeface="Courier New" panose="02070309020205020404" pitchFamily="49" charset="0"/>
               </a:rPr>
-              <a:t>    IO:    ----------------SW----------ADC-- </a:t>
-            </a:r>
-          </a:p>
-          <a:p>
-            <a:r>
-              <a:rPr lang="en-GB" sz="1100" dirty="0">
+              <a:t>PORTA---------------</a:t>
+            </a:r>
+          </a:p>
+          <a:p>
+            <a:r>
+              <a:rPr lang="en-GB" sz="1200" b="1" dirty="0">
                 <a:latin typeface="Courier New" panose="02070309020205020404" pitchFamily="49" charset="0"/>
                 <a:cs typeface="Courier New" panose="02070309020205020404" pitchFamily="49" charset="0"/>
               </a:rPr>
-              <a:t>    ----------------------------------------</a:t>
-            </a:r>
-          </a:p>
-          <a:p>
-            <a:r>
-              <a:rPr lang="en-GB" sz="1100" dirty="0">
+              <a:t>    Bit#:  -7---6---5---4---3---2---1---0---</a:t>
+            </a:r>
+          </a:p>
+          <a:p>
+            <a:r>
+              <a:rPr lang="en-GB" sz="1200" b="1" dirty="0">
                 <a:latin typeface="Courier New" panose="02070309020205020404" pitchFamily="49" charset="0"/>
                 <a:cs typeface="Courier New" panose="02070309020205020404" pitchFamily="49" charset="0"/>
               </a:rPr>
-              <a:t/>
+              <a:t>    IO:    </a:t>
+            </a:r>
+            <a:r>
+              <a:rPr lang="en-GB" sz="1200" b="1" dirty="0" smtClean="0">
+                <a:latin typeface="Courier New" panose="02070309020205020404" pitchFamily="49" charset="0"/>
+                <a:cs typeface="Courier New" panose="02070309020205020404" pitchFamily="49" charset="0"/>
+              </a:rPr>
+              <a:t>------------SW2-------------</a:t>
+            </a:r>
+            <a:r>
+              <a:rPr lang="en-GB" sz="1200" b="1" dirty="0">
+                <a:latin typeface="Courier New" panose="02070309020205020404" pitchFamily="49" charset="0"/>
+                <a:cs typeface="Courier New" panose="02070309020205020404" pitchFamily="49" charset="0"/>
+              </a:rPr>
+              <a:t>ADC--</a:t>
+            </a:r>
+          </a:p>
+          <a:p>
+            <a:r>
+              <a:rPr lang="en-GB" sz="1200" b="1" dirty="0">
+                <a:latin typeface="Courier New" panose="02070309020205020404" pitchFamily="49" charset="0"/>
+                <a:cs typeface="Courier New" panose="02070309020205020404" pitchFamily="49" charset="0"/>
+              </a:rPr>
+              <a:t>    IO:    ---------------------------------</a:t>
+            </a:r>
+          </a:p>
+          <a:p>
+            <a:endParaRPr lang="en-GB" sz="1200" b="1" dirty="0">
+              <a:latin typeface="Courier New" panose="02070309020205020404" pitchFamily="49" charset="0"/>
+              <a:cs typeface="Courier New" panose="02070309020205020404" pitchFamily="49" charset="0"/>
+            </a:endParaRPr>
+          </a:p>
+          <a:p>
+            <a:r>
+              <a:rPr lang="en-GB" sz="1200" b="1" dirty="0">
+                <a:latin typeface="Courier New" panose="02070309020205020404" pitchFamily="49" charset="0"/>
+                <a:cs typeface="Courier New" panose="02070309020205020404" pitchFamily="49" charset="0"/>
+              </a:rPr>
+              <a:t>            ------------PORTB----------------</a:t>
+            </a:r>
+          </a:p>
+          <a:p>
+            <a:r>
+              <a:rPr lang="en-GB" sz="1200" b="1" dirty="0">
+                <a:latin typeface="Courier New" panose="02070309020205020404" pitchFamily="49" charset="0"/>
+                <a:cs typeface="Courier New" panose="02070309020205020404" pitchFamily="49" charset="0"/>
+              </a:rPr>
+              <a:t>    Bit#:  -7---6---5---4---3---2---1---0---</a:t>
+            </a:r>
+          </a:p>
+          <a:p>
+            <a:r>
+              <a:rPr lang="en-GB" sz="1200" b="1" dirty="0">
+                <a:latin typeface="Courier New" panose="02070309020205020404" pitchFamily="49" charset="0"/>
+                <a:cs typeface="Courier New" panose="02070309020205020404" pitchFamily="49" charset="0"/>
+              </a:rPr>
+              <a:t>    IO:    ----------------LED-LED-LED-LED--</a:t>
+            </a:r>
+          </a:p>
+          <a:p>
+            <a:r>
+              <a:rPr lang="en-GB" sz="1200" b="1" dirty="0">
+                <a:latin typeface="Courier New" panose="02070309020205020404" pitchFamily="49" charset="0"/>
+                <a:cs typeface="Courier New" panose="02070309020205020404" pitchFamily="49" charset="0"/>
+              </a:rPr>
+              <a:t>    IO:    ---------------------------------</a:t>
+            </a:r>
+          </a:p>
+          <a:p>
+            <a:endParaRPr lang="en-GB" sz="1200" b="1" dirty="0">
+              <a:latin typeface="Courier New" panose="02070309020205020404" pitchFamily="49" charset="0"/>
+              <a:cs typeface="Courier New" panose="02070309020205020404" pitchFamily="49" charset="0"/>
+            </a:endParaRPr>
+          </a:p>
+          <a:p>
+            <a:r>
+              <a:rPr lang="en-GB" sz="1200" b="1" dirty="0">
+                <a:latin typeface="Courier New" panose="02070309020205020404" pitchFamily="49" charset="0"/>
+                <a:cs typeface="Courier New" panose="02070309020205020404" pitchFamily="49" charset="0"/>
+              </a:rPr>
+              <a:t>            ------------PORTC----------------</a:t>
+            </a:r>
+          </a:p>
+          <a:p>
+            <a:r>
+              <a:rPr lang="en-GB" sz="1200" b="1" dirty="0">
+                <a:latin typeface="Courier New" panose="02070309020205020404" pitchFamily="49" charset="0"/>
+                <a:cs typeface="Courier New" panose="02070309020205020404" pitchFamily="49" charset="0"/>
+              </a:rPr>
+              <a:t>    Bit#:  -7---6---5---4---3---2---1---0---</a:t>
+            </a:r>
+          </a:p>
+          <a:p>
+            <a:r>
+              <a:rPr lang="en-GB" sz="1200" b="1" dirty="0">
+                <a:latin typeface="Courier New" panose="02070309020205020404" pitchFamily="49" charset="0"/>
+                <a:cs typeface="Courier New" panose="02070309020205020404" pitchFamily="49" charset="0"/>
+              </a:rPr>
+              <a:t> </a:t>
+            </a:r>
+            <a:r>
+              <a:rPr lang="en-GB" sz="1200" b="1" dirty="0" smtClean="0">
+                <a:latin typeface="Courier New" panose="02070309020205020404" pitchFamily="49" charset="0"/>
+                <a:cs typeface="Courier New" panose="02070309020205020404" pitchFamily="49" charset="0"/>
+              </a:rPr>
+              <a:t>   IO</a:t>
+            </a:r>
+            <a:r>
+              <a:rPr lang="en-GB" sz="1200" b="1" dirty="0">
+                <a:latin typeface="Courier New" panose="02070309020205020404" pitchFamily="49" charset="0"/>
+                <a:cs typeface="Courier New" panose="02070309020205020404" pitchFamily="49" charset="0"/>
+              </a:rPr>
+              <a:t>:    -----TX-</a:t>
+            </a:r>
+            <a:r>
+              <a:rPr lang="en-GB" sz="1200" b="1" dirty="0" smtClean="0">
+                <a:latin typeface="Courier New" panose="02070309020205020404" pitchFamily="49" charset="0"/>
+                <a:cs typeface="Courier New" panose="02070309020205020404" pitchFamily="49" charset="0"/>
+              </a:rPr>
+              <a:t>------------CCP1---------</a:t>
+            </a:r>
+            <a:endParaRPr lang="en-GB" sz="1200" b="1" dirty="0" smtClean="0">
+              <a:latin typeface="Courier New" panose="02070309020205020404" pitchFamily="49" charset="0"/>
+              <a:cs typeface="Courier New" panose="02070309020205020404" pitchFamily="49" charset="0"/>
+            </a:endParaRPr>
+          </a:p>
+          <a:p>
+            <a:r>
+              <a:rPr lang="en-GB" sz="1200" b="1" dirty="0">
+                <a:latin typeface="Courier New" panose="02070309020205020404" pitchFamily="49" charset="0"/>
+                <a:cs typeface="Courier New" panose="02070309020205020404" pitchFamily="49" charset="0"/>
+              </a:rPr>
+              <a:t> </a:t>
+            </a:r>
+            <a:r>
+              <a:rPr lang="en-GB" sz="1200" b="1" dirty="0" smtClean="0">
+                <a:latin typeface="Courier New" panose="02070309020205020404" pitchFamily="49" charset="0"/>
+                <a:cs typeface="Courier New" panose="02070309020205020404" pitchFamily="49" charset="0"/>
+              </a:rPr>
+              <a:t>   IO</a:t>
+            </a:r>
+            <a:r>
+              <a:rPr lang="en-GB" sz="1200" b="1" dirty="0">
+                <a:latin typeface="Courier New" panose="02070309020205020404" pitchFamily="49" charset="0"/>
+                <a:cs typeface="Courier New" panose="02070309020205020404" pitchFamily="49" charset="0"/>
+              </a:rPr>
+              <a:t>:    ---------------------------------</a:t>
+            </a:r>
+          </a:p>
+          <a:p>
+            <a:endParaRPr lang="en-GB" sz="1200" b="1" dirty="0">
+              <a:latin typeface="Courier New" panose="02070309020205020404" pitchFamily="49" charset="0"/>
+              <a:cs typeface="Courier New" panose="02070309020205020404" pitchFamily="49" charset="0"/>
+            </a:endParaRPr>
+          </a:p>
+          <a:p>
+            <a:r>
+              <a:rPr lang="en-GB" sz="1200" b="1" dirty="0">
+                <a:latin typeface="Courier New" panose="02070309020205020404" pitchFamily="49" charset="0"/>
+                <a:cs typeface="Courier New" panose="02070309020205020404" pitchFamily="49" charset="0"/>
+              </a:rPr>
+              <a:t>            ------------PORTD----------------</a:t>
+            </a:r>
+          </a:p>
+          <a:p>
+            <a:r>
+              <a:rPr lang="en-GB" sz="1200" b="1" dirty="0">
+                <a:latin typeface="Courier New" panose="02070309020205020404" pitchFamily="49" charset="0"/>
+                <a:cs typeface="Courier New" panose="02070309020205020404" pitchFamily="49" charset="0"/>
+              </a:rPr>
+              <a:t>    Bit#:  -7---6---5---4---3---2---1---0---</a:t>
+            </a:r>
+          </a:p>
+          <a:p>
+            <a:r>
+              <a:rPr lang="en-GB" sz="1200" b="1" dirty="0">
+                <a:latin typeface="Courier New" panose="02070309020205020404" pitchFamily="49" charset="0"/>
+                <a:cs typeface="Courier New" panose="02070309020205020404" pitchFamily="49" charset="0"/>
+              </a:rPr>
+              <a:t>    IO:    </a:t>
+            </a:r>
+            <a:r>
+              <a:rPr lang="en-GB" sz="1200" b="1" dirty="0" smtClean="0">
+                <a:latin typeface="Courier New" panose="02070309020205020404" pitchFamily="49" charset="0"/>
+                <a:cs typeface="Courier New" panose="02070309020205020404" pitchFamily="49" charset="0"/>
+              </a:rPr>
+              <a:t>-PWR-EN-</a:t>
+            </a:r>
+            <a:r>
+              <a:rPr lang="en-GB" sz="1200" b="1" dirty="0">
+                <a:latin typeface="Courier New" panose="02070309020205020404" pitchFamily="49" charset="0"/>
+                <a:cs typeface="Courier New" panose="02070309020205020404" pitchFamily="49" charset="0"/>
+              </a:rPr>
+              <a:t>-RW--RS--</a:t>
+            </a:r>
+            <a:r>
+              <a:rPr lang="en-GB" sz="1200" b="1" dirty="0" smtClean="0">
+                <a:latin typeface="Courier New" panose="02070309020205020404" pitchFamily="49" charset="0"/>
+                <a:cs typeface="Courier New" panose="02070309020205020404" pitchFamily="49" charset="0"/>
+              </a:rPr>
+              <a:t>DB7-DB6-DB5-DB4-</a:t>
+            </a:r>
+          </a:p>
+          <a:p>
+            <a:r>
+              <a:rPr lang="en-GB" sz="1200" b="1" dirty="0" smtClean="0">
+                <a:latin typeface="Courier New" panose="02070309020205020404" pitchFamily="49" charset="0"/>
+                <a:cs typeface="Courier New" panose="02070309020205020404" pitchFamily="49" charset="0"/>
+              </a:rPr>
+              <a:t>    </a:t>
+            </a:r>
+            <a:r>
+              <a:rPr lang="en-GB" sz="1200" b="1" dirty="0">
+                <a:latin typeface="Courier New" panose="02070309020205020404" pitchFamily="49" charset="0"/>
+                <a:cs typeface="Courier New" panose="02070309020205020404" pitchFamily="49" charset="0"/>
+              </a:rPr>
+              <a:t>IO:    ---------------------------------</a:t>
+            </a:r>
+          </a:p>
+          <a:p>
+            <a:endParaRPr lang="en-GB" sz="1200" b="1" dirty="0">
+              <a:latin typeface="Courier New" panose="02070309020205020404" pitchFamily="49" charset="0"/>
+              <a:cs typeface="Courier New" panose="02070309020205020404" pitchFamily="49" charset="0"/>
+            </a:endParaRPr>
+          </a:p>
+          <a:p>
+            <a:r>
+              <a:rPr lang="en-GB" sz="1200" b="1" dirty="0">
+                <a:latin typeface="Courier New" panose="02070309020205020404" pitchFamily="49" charset="0"/>
+                <a:cs typeface="Courier New" panose="02070309020205020404" pitchFamily="49" charset="0"/>
+              </a:rPr>
+              <a:t>            ------------PORTE----------------</a:t>
+            </a:r>
+          </a:p>
+          <a:p>
+            <a:r>
+              <a:rPr lang="en-GB" sz="1200" b="1" dirty="0">
+                <a:latin typeface="Courier New" panose="02070309020205020404" pitchFamily="49" charset="0"/>
+                <a:cs typeface="Courier New" panose="02070309020205020404" pitchFamily="49" charset="0"/>
+              </a:rPr>
+              <a:t>    Bit#:  -7---6---5---4---3---2---1---0---</a:t>
+            </a:r>
+          </a:p>
+          <a:p>
+            <a:r>
+              <a:rPr lang="en-GB" sz="1200" b="1" dirty="0">
+                <a:latin typeface="Courier New" panose="02070309020205020404" pitchFamily="49" charset="0"/>
+                <a:cs typeface="Courier New" panose="02070309020205020404" pitchFamily="49" charset="0"/>
+              </a:rPr>
+              <a:t>    IO:    </a:t>
+            </a:r>
+            <a:r>
+              <a:rPr lang="en-GB" sz="1200" b="1" dirty="0" smtClean="0">
+                <a:latin typeface="Courier New" panose="02070309020205020404" pitchFamily="49" charset="0"/>
+                <a:cs typeface="Courier New" panose="02070309020205020404" pitchFamily="49" charset="0"/>
+              </a:rPr>
+              <a:t>----------------RST---------------</a:t>
+            </a:r>
+            <a:endParaRPr lang="en-GB" sz="1200" b="1" dirty="0">
+              <a:latin typeface="Courier New" panose="02070309020205020404" pitchFamily="49" charset="0"/>
+              <a:cs typeface="Courier New" panose="02070309020205020404" pitchFamily="49" charset="0"/>
+            </a:endParaRPr>
+          </a:p>
+          <a:p>
+            <a:r>
+              <a:rPr lang="en-GB" sz="1200" b="1" dirty="0">
+                <a:latin typeface="Courier New" panose="02070309020205020404" pitchFamily="49" charset="0"/>
+                <a:cs typeface="Courier New" panose="02070309020205020404" pitchFamily="49" charset="0"/>
+              </a:rPr>
+              <a:t>    IO:    ---------------------------------</a:t>
             </a:r>
             <a:br>
-              <a:rPr lang="en-GB" sz="1100" dirty="0">
+              <a:rPr lang="en-GB" sz="1200" b="1" dirty="0">
                 <a:latin typeface="Courier New" panose="02070309020205020404" pitchFamily="49" charset="0"/>
                 <a:cs typeface="Courier New" panose="02070309020205020404" pitchFamily="49" charset="0"/>
               </a:rPr>
             </a:br>
-            <a:r>
-              <a:rPr lang="en-GB" sz="1100" dirty="0">
-                <a:latin typeface="Courier New" panose="02070309020205020404" pitchFamily="49" charset="0"/>
-                <a:cs typeface="Courier New" panose="02070309020205020404" pitchFamily="49" charset="0"/>
-              </a:rPr>
-              <a:t>    -------------------PORTB----------------</a:t>
-            </a:r>
-          </a:p>
-          <a:p>
-            <a:r>
-              <a:rPr lang="en-GB" sz="1100" dirty="0">
-                <a:latin typeface="Courier New" panose="02070309020205020404" pitchFamily="49" charset="0"/>
-                <a:cs typeface="Courier New" panose="02070309020205020404" pitchFamily="49" charset="0"/>
-              </a:rPr>
-              <a:t>    Bit#:  -7---6---5---4---3---2---1---0---</a:t>
-            </a:r>
-          </a:p>
-          <a:p>
-            <a:r>
-              <a:rPr lang="en-GB" sz="1100" dirty="0">
-                <a:latin typeface="Courier New" panose="02070309020205020404" pitchFamily="49" charset="0"/>
-                <a:cs typeface="Courier New" panose="02070309020205020404" pitchFamily="49" charset="0"/>
-              </a:rPr>
-              <a:t>    IO:    ----------------</a:t>
-            </a:r>
-            <a:r>
-              <a:rPr lang="en-GB" sz="1100" b="1" dirty="0">
-                <a:latin typeface="Courier New" panose="02070309020205020404" pitchFamily="49" charset="0"/>
-                <a:cs typeface="Courier New" panose="02070309020205020404" pitchFamily="49" charset="0"/>
-              </a:rPr>
-              <a:t>LED-LED-LED-LED</a:t>
-            </a:r>
-            <a:r>
-              <a:rPr lang="en-GB" sz="1100" dirty="0">
-                <a:latin typeface="Courier New" panose="02070309020205020404" pitchFamily="49" charset="0"/>
-                <a:cs typeface="Courier New" panose="02070309020205020404" pitchFamily="49" charset="0"/>
-              </a:rPr>
-              <a:t>--</a:t>
-            </a:r>
-          </a:p>
-          <a:p>
-            <a:r>
-              <a:rPr lang="en-GB" sz="1100" dirty="0">
-                <a:latin typeface="Courier New" panose="02070309020205020404" pitchFamily="49" charset="0"/>
-                <a:cs typeface="Courier New" panose="02070309020205020404" pitchFamily="49" charset="0"/>
-              </a:rPr>
-              <a:t>    ----------------------------------------</a:t>
-            </a:r>
-          </a:p>
-          <a:p>
-            <a:r>
-              <a:rPr lang="en-GB" sz="1100" dirty="0">
-                <a:latin typeface="Courier New" panose="02070309020205020404" pitchFamily="49" charset="0"/>
-                <a:cs typeface="Courier New" panose="02070309020205020404" pitchFamily="49" charset="0"/>
-              </a:rPr>
-              <a:t>    </a:t>
-            </a:r>
-          </a:p>
-          <a:p>
-            <a:r>
-              <a:rPr lang="en-GB" sz="1100" dirty="0">
-                <a:latin typeface="Courier New" panose="02070309020205020404" pitchFamily="49" charset="0"/>
-                <a:cs typeface="Courier New" panose="02070309020205020404" pitchFamily="49" charset="0"/>
-              </a:rPr>
-              <a:t>    ------------------PORTC-----------------</a:t>
-            </a:r>
-          </a:p>
-          <a:p>
-            <a:r>
-              <a:rPr lang="en-GB" sz="1100" dirty="0">
-                <a:latin typeface="Courier New" panose="02070309020205020404" pitchFamily="49" charset="0"/>
-                <a:cs typeface="Courier New" panose="02070309020205020404" pitchFamily="49" charset="0"/>
-              </a:rPr>
-              <a:t>    Bit#:  -X---6---5---4---3---2---1---0---</a:t>
-            </a:r>
-          </a:p>
-          <a:p>
-            <a:r>
-              <a:rPr lang="en-GB" sz="1100" dirty="0">
-                <a:latin typeface="Courier New" panose="02070309020205020404" pitchFamily="49" charset="0"/>
-                <a:cs typeface="Courier New" panose="02070309020205020404" pitchFamily="49" charset="0"/>
-              </a:rPr>
-              <a:t>    IO:    -</a:t>
-            </a:r>
-            <a:r>
-              <a:rPr lang="en-GB" sz="1100" b="1" dirty="0">
-                <a:latin typeface="Courier New" panose="02070309020205020404" pitchFamily="49" charset="0"/>
-                <a:cs typeface="Courier New" panose="02070309020205020404" pitchFamily="49" charset="0"/>
-              </a:rPr>
-              <a:t>^</a:t>
-            </a:r>
-            <a:r>
-              <a:rPr lang="en-GB" sz="1100" dirty="0">
-                <a:latin typeface="Courier New" panose="02070309020205020404" pitchFamily="49" charset="0"/>
-                <a:cs typeface="Courier New" panose="02070309020205020404" pitchFamily="49" charset="0"/>
-              </a:rPr>
-              <a:t>--</a:t>
-            </a:r>
-            <a:r>
-              <a:rPr lang="en-GB" sz="1100" b="1" dirty="0">
-                <a:latin typeface="Courier New" panose="02070309020205020404" pitchFamily="49" charset="0"/>
-                <a:cs typeface="Courier New" panose="02070309020205020404" pitchFamily="49" charset="0"/>
-              </a:rPr>
-              <a:t>TX</a:t>
-            </a:r>
-            <a:r>
-              <a:rPr lang="en-GB" sz="1100" dirty="0">
-                <a:latin typeface="Courier New" panose="02070309020205020404" pitchFamily="49" charset="0"/>
-                <a:cs typeface="Courier New" panose="02070309020205020404" pitchFamily="49" charset="0"/>
-              </a:rPr>
-              <a:t>-</a:t>
-            </a:r>
-            <a:r>
-              <a:rPr lang="en-GB" sz="1100" dirty="0" smtClean="0">
-                <a:latin typeface="Courier New" panose="02070309020205020404" pitchFamily="49" charset="0"/>
-                <a:cs typeface="Courier New" panose="02070309020205020404" pitchFamily="49" charset="0"/>
-              </a:rPr>
-              <a:t>--------------------------</a:t>
-            </a:r>
-            <a:endParaRPr lang="en-GB" sz="1100" dirty="0">
+            <a:endParaRPr lang="en-GB" sz="1200" b="1" dirty="0">
               <a:latin typeface="Courier New" panose="02070309020205020404" pitchFamily="49" charset="0"/>
               <a:cs typeface="Courier New" panose="02070309020205020404" pitchFamily="49" charset="0"/>
             </a:endParaRPr>
           </a:p>
-          <a:p>
-            <a:r>
-              <a:rPr lang="en-GB" sz="1100" dirty="0">
-                <a:latin typeface="Courier New" panose="02070309020205020404" pitchFamily="49" charset="0"/>
-                <a:cs typeface="Courier New" panose="02070309020205020404" pitchFamily="49" charset="0"/>
-              </a:rPr>
-              <a:t>    -----</a:t>
-            </a:r>
-            <a:r>
-              <a:rPr lang="en-GB" sz="1100" b="1" dirty="0">
-                <a:latin typeface="Courier New" panose="02070309020205020404" pitchFamily="49" charset="0"/>
-                <a:cs typeface="Courier New" panose="02070309020205020404" pitchFamily="49" charset="0"/>
-              </a:rPr>
-              <a:t>VDDIO2</a:t>
-            </a:r>
-            <a:r>
-              <a:rPr lang="en-GB" sz="1100" dirty="0">
-                <a:latin typeface="Courier New" panose="02070309020205020404" pitchFamily="49" charset="0"/>
-                <a:cs typeface="Courier New" panose="02070309020205020404" pitchFamily="49" charset="0"/>
-              </a:rPr>
-              <a:t>----------------------------- </a:t>
-            </a:r>
-          </a:p>
-          <a:p>
-            <a:r>
-              <a:rPr lang="en-GB" sz="1100" dirty="0">
-                <a:latin typeface="Courier New" panose="02070309020205020404" pitchFamily="49" charset="0"/>
-                <a:cs typeface="Courier New" panose="02070309020205020404" pitchFamily="49" charset="0"/>
-              </a:rPr>
-              <a:t>    You must apply correct Voltage</a:t>
-            </a:r>
-          </a:p>
-          <a:p>
-            <a:r>
-              <a:rPr lang="en-GB" sz="1100" dirty="0">
-                <a:latin typeface="Courier New" panose="02070309020205020404" pitchFamily="49" charset="0"/>
-                <a:cs typeface="Courier New" panose="02070309020205020404" pitchFamily="49" charset="0"/>
-              </a:rPr>
-              <a:t>   </a:t>
-            </a:r>
-          </a:p>
-          <a:p>
-            <a:r>
-              <a:rPr lang="en-GB" sz="1100" dirty="0">
-                <a:latin typeface="Courier New" panose="02070309020205020404" pitchFamily="49" charset="0"/>
-                <a:cs typeface="Courier New" panose="02070309020205020404" pitchFamily="49" charset="0"/>
-              </a:rPr>
-              <a:t>    ------------------PORTE-----------------</a:t>
-            </a:r>
-          </a:p>
-          <a:p>
-            <a:r>
-              <a:rPr lang="en-GB" sz="1100" dirty="0">
-                <a:latin typeface="Courier New" panose="02070309020205020404" pitchFamily="49" charset="0"/>
-                <a:cs typeface="Courier New" panose="02070309020205020404" pitchFamily="49" charset="0"/>
-              </a:rPr>
-              <a:t>    Bit#:  -----------------3---------------</a:t>
-            </a:r>
-          </a:p>
-          <a:p>
-            <a:r>
-              <a:rPr lang="en-GB" sz="1100" dirty="0">
-                <a:latin typeface="Courier New" panose="02070309020205020404" pitchFamily="49" charset="0"/>
-                <a:cs typeface="Courier New" panose="02070309020205020404" pitchFamily="49" charset="0"/>
-              </a:rPr>
-              <a:t>    IO:    ----------------SW---------------</a:t>
-            </a:r>
-          </a:p>
         </p:txBody>
       </p:sp>
     </p:spTree>
     <p:extLst>
       <p:ext uri="{BB962C8B-B14F-4D97-AF65-F5344CB8AC3E}">
-        <p14:creationId xmlns:p14="http://schemas.microsoft.com/office/powerpoint/2010/main" val="3213168251"/>
+        <p14:creationId xmlns:p14="http://schemas.microsoft.com/office/powerpoint/2010/main" val="895389872"/>
       </p:ext>
     </p:extLst>
   </p:cSld>
@@ -14185,47 +13790,4 @@
   <a:objectDefaults/>
   <a:extraClrSchemeLst/>
 </a:theme>
-</file>
-
-<file path=ppt/theme/themeOverride1.xml><?xml version="1.0" encoding="utf-8"?>
-<a:themeOverride xmlns:a="http://schemas.openxmlformats.org/drawingml/2006/main">
-  <a:clrScheme name="Blue">
-    <a:dk1>
-      <a:sysClr val="windowText" lastClr="000000"/>
-    </a:dk1>
-    <a:lt1>
-      <a:sysClr val="window" lastClr="FFFFFF"/>
-    </a:lt1>
-    <a:dk2>
-      <a:srgbClr val="17406D"/>
-    </a:dk2>
-    <a:lt2>
-      <a:srgbClr val="DBEFF9"/>
-    </a:lt2>
-    <a:accent1>
-      <a:srgbClr val="0F6FC6"/>
-    </a:accent1>
-    <a:accent2>
-      <a:srgbClr val="009DD9"/>
-    </a:accent2>
-    <a:accent3>
-      <a:srgbClr val="0BD0D9"/>
-    </a:accent3>
-    <a:accent4>
-      <a:srgbClr val="10CF9B"/>
-    </a:accent4>
-    <a:accent5>
-      <a:srgbClr val="7CCA62"/>
-    </a:accent5>
-    <a:accent6>
-      <a:srgbClr val="A5C249"/>
-    </a:accent6>
-    <a:hlink>
-      <a:srgbClr val="F49100"/>
-    </a:hlink>
-    <a:folHlink>
-      <a:srgbClr val="85DFD0"/>
-    </a:folHlink>
-  </a:clrScheme>
-</a:themeOverride>
 </file>